--- a/documents/InclusiveAlphabetCapstonePresentation20230613.pptx
+++ b/documents/InclusiveAlphabetCapstonePresentation20230613.pptx
@@ -900,16 +900,15 @@
           </a:p>
           <a:p>
             <a:r>
-              <a:rPr lang="en-US" b="1"/>
+              <a:rPr lang="en-US" b="1" dirty="0"/>
               <a:t>Donald</a:t>
             </a:r>
           </a:p>
           <a:p>
             <a:r>
-              <a:rPr lang="en-US" b="1"/>
+              <a:rPr lang="en-US" b="1" dirty="0"/>
               <a:t>Karen</a:t>
             </a:r>
-            <a:endParaRPr lang="en-US" b="1" dirty="0"/>
           </a:p>
           <a:p>
             <a:endParaRPr lang="en-US" b="1" dirty="0"/>
@@ -11060,13 +11059,30 @@
               <a:buFont typeface="Arial" charset="0"/>
               <a:buChar char="•"/>
             </a:pPr>
-            <a:endParaRPr lang="en-US" sz="2000" dirty="0"/>
+            <a:r>
+              <a:rPr lang="en-US" sz="1600" dirty="0"/>
+              <a:t>Create technological functionality that may provide a positive impact and provide a method of inclusiveness/adaptation/acceptance as they are, to a group of people where there is none today.</a:t>
+            </a:r>
           </a:p>
           <a:p>
             <a:pPr marL="264795" lvl="1" indent="-182880">
               <a:buFont typeface="Arial" charset="0"/>
               <a:buChar char="•"/>
             </a:pPr>
+            <a:r>
+              <a:rPr lang="en-US" sz="1600" dirty="0"/>
+              <a:t>Learn more about how hardware, operating system, and applications work together/correlate with each other by understanding how what is typed into a keyboard key ends up on a screen or in a file, and how it is used by the operating system and an application.</a:t>
+            </a:r>
+          </a:p>
+          <a:p>
+            <a:pPr marL="264795" lvl="1" indent="-182880">
+              <a:buFont typeface="Arial" charset="0"/>
+              <a:buChar char="•"/>
+            </a:pPr>
+            <a:r>
+              <a:rPr lang="en-US" sz="1600" dirty="0"/>
+              <a:t>Improve my software development skills by effectively utilizing current software development tools.</a:t>
+            </a:r>
             <a:endParaRPr lang="en-US" sz="2000" dirty="0"/>
           </a:p>
         </p:txBody>

--- a/documents/InclusiveAlphabetCapstonePresentation20230613.pptx
+++ b/documents/InclusiveAlphabetCapstonePresentation20230613.pptx
@@ -5,7 +5,7 @@
     <p:sldMasterId id="2147483949" r:id="rId1"/>
   </p:sldMasterIdLst>
   <p:notesMasterIdLst>
-    <p:notesMasterId r:id="rId24"/>
+    <p:notesMasterId r:id="rId35"/>
   </p:notesMasterIdLst>
   <p:sldIdLst>
     <p:sldId id="257" r:id="rId2"/>
@@ -16,20 +16,31 @@
     <p:sldId id="391" r:id="rId7"/>
     <p:sldId id="393" r:id="rId8"/>
     <p:sldId id="376" r:id="rId9"/>
-    <p:sldId id="396" r:id="rId10"/>
-    <p:sldId id="258" r:id="rId11"/>
-    <p:sldId id="259" r:id="rId12"/>
-    <p:sldId id="260" r:id="rId13"/>
-    <p:sldId id="261" r:id="rId14"/>
-    <p:sldId id="262" r:id="rId15"/>
-    <p:sldId id="263" r:id="rId16"/>
-    <p:sldId id="264" r:id="rId17"/>
-    <p:sldId id="265" r:id="rId18"/>
-    <p:sldId id="267" r:id="rId19"/>
-    <p:sldId id="266" r:id="rId20"/>
-    <p:sldId id="268" r:id="rId21"/>
-    <p:sldId id="297" r:id="rId22"/>
-    <p:sldId id="394" r:id="rId23"/>
+    <p:sldId id="410" r:id="rId10"/>
+    <p:sldId id="400" r:id="rId11"/>
+    <p:sldId id="405" r:id="rId12"/>
+    <p:sldId id="403" r:id="rId13"/>
+    <p:sldId id="404" r:id="rId14"/>
+    <p:sldId id="402" r:id="rId15"/>
+    <p:sldId id="401" r:id="rId16"/>
+    <p:sldId id="406" r:id="rId17"/>
+    <p:sldId id="407" r:id="rId18"/>
+    <p:sldId id="408" r:id="rId19"/>
+    <p:sldId id="409" r:id="rId20"/>
+    <p:sldId id="396" r:id="rId21"/>
+    <p:sldId id="399" r:id="rId22"/>
+    <p:sldId id="258" r:id="rId23"/>
+    <p:sldId id="259" r:id="rId24"/>
+    <p:sldId id="260" r:id="rId25"/>
+    <p:sldId id="261" r:id="rId26"/>
+    <p:sldId id="262" r:id="rId27"/>
+    <p:sldId id="263" r:id="rId28"/>
+    <p:sldId id="264" r:id="rId29"/>
+    <p:sldId id="265" r:id="rId30"/>
+    <p:sldId id="267" r:id="rId31"/>
+    <p:sldId id="266" r:id="rId32"/>
+    <p:sldId id="268" r:id="rId33"/>
+    <p:sldId id="297" r:id="rId34"/>
   </p:sldIdLst>
   <p:sldSz cx="12192000" cy="6858000"/>
   <p:notesSz cx="6858000" cy="9144000"/>
@@ -618,18 +629,8 @@
           <a:p>
             <a:r>
               <a:rPr lang="en-US" dirty="0"/>
-              <a:t>TODO: </a:t>
-            </a:r>
-          </a:p>
-          <a:p>
-            <a:r>
-              <a:rPr lang="en-US" dirty="0"/>
-              <a:t>• Remove this slide… it’s for your reference</a:t>
-            </a:r>
-            <a:endParaRPr lang="en-US" b="1" dirty="0"/>
-          </a:p>
-          <a:p>
-            <a:endParaRPr lang="en-US" dirty="0"/>
+              <a:t>TODO: Replace the artwork, if desired.</a:t>
+            </a:r>
           </a:p>
         </p:txBody>
       </p:sp>
@@ -650,7 +651,7 @@
           <a:p>
             <a:fld id="{4C58EF4D-D828-7E4E-A30F-A507EED602BD}" type="slidenum">
               <a:rPr lang="en-US" smtClean="0"/>
-              <a:t>22</a:t>
+              <a:t>33</a:t>
             </a:fld>
             <a:endParaRPr lang="en-US"/>
           </a:p>
@@ -659,7 +660,7 @@
     </p:spTree>
     <p:extLst>
       <p:ext uri="{BB962C8B-B14F-4D97-AF65-F5344CB8AC3E}">
-        <p14:creationId xmlns:p14="http://schemas.microsoft.com/office/powerpoint/2010/main" val="1547209339"/>
+        <p14:creationId xmlns:p14="http://schemas.microsoft.com/office/powerpoint/2010/main" val="233859042"/>
       </p:ext>
     </p:extLst>
   </p:cSld>
@@ -1376,10 +1377,7 @@
           <a:bodyPr/>
           <a:lstStyle/>
           <a:p>
-            <a:r>
-              <a:rPr lang="en-US" dirty="0"/>
-              <a:t>TODO: Replace the artwork, if desired.</a:t>
-            </a:r>
+            <a:endParaRPr lang="en-US" dirty="0"/>
           </a:p>
         </p:txBody>
       </p:sp>
@@ -1390,7 +1388,7 @@
             <a:spLocks noGrp="1"/>
           </p:cNvSpPr>
           <p:nvPr>
-            <p:ph type="sldNum" sz="quarter" idx="10"/>
+            <p:ph type="sldNum" sz="quarter" idx="5"/>
           </p:nvPr>
         </p:nvSpPr>
         <p:spPr/>
@@ -1400,7 +1398,7 @@
           <a:p>
             <a:fld id="{4C58EF4D-D828-7E4E-A30F-A507EED602BD}" type="slidenum">
               <a:rPr lang="en-US" smtClean="0"/>
-              <a:t>21</a:t>
+              <a:t>10</a:t>
             </a:fld>
             <a:endParaRPr lang="en-US"/>
           </a:p>
@@ -1409,7 +1407,7 @@
     </p:spTree>
     <p:extLst>
       <p:ext uri="{BB962C8B-B14F-4D97-AF65-F5344CB8AC3E}">
-        <p14:creationId xmlns:p14="http://schemas.microsoft.com/office/powerpoint/2010/main" val="233859042"/>
+        <p14:creationId xmlns:p14="http://schemas.microsoft.com/office/powerpoint/2010/main" val="2242711010"/>
       </p:ext>
     </p:extLst>
   </p:cSld>
@@ -5089,6 +5087,1342 @@
           <p:cNvPr id="2" name="Title 1">
             <a:extLst>
               <a:ext uri="{FF2B5EF4-FFF2-40B4-BE49-F238E27FC236}">
+                <a16:creationId xmlns:a16="http://schemas.microsoft.com/office/drawing/2014/main" id="{17C51846-635E-7C37-BFEB-74A97C1B42DD}"/>
+              </a:ext>
+            </a:extLst>
+          </p:cNvPr>
+          <p:cNvSpPr>
+            <a:spLocks noGrp="1"/>
+          </p:cNvSpPr>
+          <p:nvPr>
+            <p:ph type="title"/>
+          </p:nvPr>
+        </p:nvSpPr>
+        <p:spPr>
+          <a:xfrm>
+            <a:off x="0" y="0"/>
+            <a:ext cx="10515600" cy="1325563"/>
+          </a:xfrm>
+        </p:spPr>
+        <p:txBody>
+          <a:bodyPr/>
+          <a:lstStyle/>
+          <a:p>
+            <a:r>
+              <a:rPr lang="en-US" dirty="0"/>
+              <a:t>Home Page</a:t>
+            </a:r>
+          </a:p>
+        </p:txBody>
+      </p:sp>
+      <p:pic>
+        <p:nvPicPr>
+          <p:cNvPr id="9" name="Picture 8">
+            <a:extLst>
+              <a:ext uri="{FF2B5EF4-FFF2-40B4-BE49-F238E27FC236}">
+                <a16:creationId xmlns:a16="http://schemas.microsoft.com/office/drawing/2014/main" id="{A443D503-8DB4-62DD-3204-0725D8DBFB2C}"/>
+              </a:ext>
+            </a:extLst>
+          </p:cNvPr>
+          <p:cNvPicPr>
+            <a:picLocks noChangeAspect="1"/>
+          </p:cNvPicPr>
+          <p:nvPr/>
+        </p:nvPicPr>
+        <p:blipFill>
+          <a:blip r:embed="rId3"/>
+          <a:stretch>
+            <a:fillRect/>
+          </a:stretch>
+        </p:blipFill>
+        <p:spPr>
+          <a:xfrm>
+            <a:off x="88900" y="1383006"/>
+            <a:ext cx="12192000" cy="5474994"/>
+          </a:xfrm>
+          <a:prstGeom prst="rect">
+            <a:avLst/>
+          </a:prstGeom>
+        </p:spPr>
+      </p:pic>
+    </p:spTree>
+    <p:extLst>
+      <p:ext uri="{BB962C8B-B14F-4D97-AF65-F5344CB8AC3E}">
+        <p14:creationId xmlns:p14="http://schemas.microsoft.com/office/powerpoint/2010/main" val="4147221934"/>
+      </p:ext>
+    </p:extLst>
+  </p:cSld>
+  <p:clrMapOvr>
+    <a:masterClrMapping/>
+  </p:clrMapOvr>
+</p:sld>
+</file>
+
+<file path=ppt/slides/slide11.xml><?xml version="1.0" encoding="utf-8"?>
+<p:sld xmlns:a="http://schemas.openxmlformats.org/drawingml/2006/main" xmlns:r="http://schemas.openxmlformats.org/officeDocument/2006/relationships" xmlns:p="http://schemas.openxmlformats.org/presentationml/2006/main">
+  <p:cSld>
+    <p:spTree>
+      <p:nvGrpSpPr>
+        <p:cNvPr id="1" name=""/>
+        <p:cNvGrpSpPr/>
+        <p:nvPr/>
+      </p:nvGrpSpPr>
+      <p:grpSpPr>
+        <a:xfrm>
+          <a:off x="0" y="0"/>
+          <a:ext cx="0" cy="0"/>
+          <a:chOff x="0" y="0"/>
+          <a:chExt cx="0" cy="0"/>
+        </a:xfrm>
+      </p:grpSpPr>
+      <p:sp>
+        <p:nvSpPr>
+          <p:cNvPr id="2" name="Title 1">
+            <a:extLst>
+              <a:ext uri="{FF2B5EF4-FFF2-40B4-BE49-F238E27FC236}">
+                <a16:creationId xmlns:a16="http://schemas.microsoft.com/office/drawing/2014/main" id="{A64A314E-F98D-1AD9-DBB9-5F760AACE084}"/>
+              </a:ext>
+            </a:extLst>
+          </p:cNvPr>
+          <p:cNvSpPr>
+            <a:spLocks noGrp="1"/>
+          </p:cNvSpPr>
+          <p:nvPr>
+            <p:ph type="title"/>
+          </p:nvPr>
+        </p:nvSpPr>
+        <p:spPr>
+          <a:xfrm>
+            <a:off x="838200" y="365125"/>
+            <a:ext cx="2844800" cy="1325563"/>
+          </a:xfrm>
+        </p:spPr>
+        <p:txBody>
+          <a:bodyPr/>
+          <a:lstStyle/>
+          <a:p>
+            <a:r>
+              <a:rPr lang="en-US" dirty="0"/>
+              <a:t>Log In</a:t>
+            </a:r>
+          </a:p>
+        </p:txBody>
+      </p:sp>
+      <p:pic>
+        <p:nvPicPr>
+          <p:cNvPr id="5" name="Content Placeholder 4">
+            <a:extLst>
+              <a:ext uri="{FF2B5EF4-FFF2-40B4-BE49-F238E27FC236}">
+                <a16:creationId xmlns:a16="http://schemas.microsoft.com/office/drawing/2014/main" id="{2793532D-B4D6-8D8D-60EE-666E9695680A}"/>
+              </a:ext>
+            </a:extLst>
+          </p:cNvPr>
+          <p:cNvPicPr>
+            <a:picLocks noGrp="1" noChangeAspect="1"/>
+          </p:cNvPicPr>
+          <p:nvPr>
+            <p:ph idx="1"/>
+          </p:nvPr>
+        </p:nvPicPr>
+        <p:blipFill>
+          <a:blip r:embed="rId2"/>
+          <a:stretch>
+            <a:fillRect/>
+          </a:stretch>
+        </p:blipFill>
+        <p:spPr>
+          <a:xfrm>
+            <a:off x="135760" y="2103436"/>
+            <a:ext cx="5859811" cy="2747963"/>
+          </a:xfrm>
+        </p:spPr>
+      </p:pic>
+      <p:sp>
+        <p:nvSpPr>
+          <p:cNvPr id="6" name="Title 1">
+            <a:extLst>
+              <a:ext uri="{FF2B5EF4-FFF2-40B4-BE49-F238E27FC236}">
+                <a16:creationId xmlns:a16="http://schemas.microsoft.com/office/drawing/2014/main" id="{528ECDD4-F8BC-43FE-04F7-8A57B062C1CE}"/>
+              </a:ext>
+            </a:extLst>
+          </p:cNvPr>
+          <p:cNvSpPr txBox="1">
+            <a:spLocks/>
+          </p:cNvSpPr>
+          <p:nvPr/>
+        </p:nvSpPr>
+        <p:spPr>
+          <a:xfrm>
+            <a:off x="7696200" y="412750"/>
+            <a:ext cx="2933700" cy="1325563"/>
+          </a:xfrm>
+          <a:prstGeom prst="rect">
+            <a:avLst/>
+          </a:prstGeom>
+        </p:spPr>
+        <p:txBody>
+          <a:bodyPr vert="horz" lIns="91440" tIns="45720" rIns="91440" bIns="45720" rtlCol="0" anchor="ctr">
+            <a:normAutofit/>
+          </a:bodyPr>
+          <a:lstStyle>
+            <a:lvl1pPr algn="l" defTabSz="914400" rtl="0" eaLnBrk="1" latinLnBrk="0" hangingPunct="1">
+              <a:lnSpc>
+                <a:spcPct val="90000"/>
+              </a:lnSpc>
+              <a:spcBef>
+                <a:spcPct val="0"/>
+              </a:spcBef>
+              <a:buNone/>
+              <a:defRPr sz="4400" kern="1200">
+                <a:solidFill>
+                  <a:schemeClr val="tx1"/>
+                </a:solidFill>
+                <a:latin typeface="+mj-lt"/>
+                <a:ea typeface="+mj-ea"/>
+                <a:cs typeface="+mj-cs"/>
+              </a:defRPr>
+            </a:lvl1pPr>
+          </a:lstStyle>
+          <a:p>
+            <a:r>
+              <a:rPr lang="en-US" dirty="0"/>
+              <a:t>Create Account</a:t>
+            </a:r>
+          </a:p>
+        </p:txBody>
+      </p:sp>
+      <p:pic>
+        <p:nvPicPr>
+          <p:cNvPr id="8" name="Picture 7">
+            <a:extLst>
+              <a:ext uri="{FF2B5EF4-FFF2-40B4-BE49-F238E27FC236}">
+                <a16:creationId xmlns:a16="http://schemas.microsoft.com/office/drawing/2014/main" id="{13F6E54D-A54D-AB35-E9EF-E139B1822A59}"/>
+              </a:ext>
+            </a:extLst>
+          </p:cNvPr>
+          <p:cNvPicPr>
+            <a:picLocks noChangeAspect="1"/>
+          </p:cNvPicPr>
+          <p:nvPr/>
+        </p:nvPicPr>
+        <p:blipFill>
+          <a:blip r:embed="rId3"/>
+          <a:stretch>
+            <a:fillRect/>
+          </a:stretch>
+        </p:blipFill>
+        <p:spPr>
+          <a:xfrm>
+            <a:off x="6233144" y="2112212"/>
+            <a:ext cx="5859811" cy="2709776"/>
+          </a:xfrm>
+          <a:prstGeom prst="rect">
+            <a:avLst/>
+          </a:prstGeom>
+        </p:spPr>
+      </p:pic>
+    </p:spTree>
+    <p:extLst>
+      <p:ext uri="{BB962C8B-B14F-4D97-AF65-F5344CB8AC3E}">
+        <p14:creationId xmlns:p14="http://schemas.microsoft.com/office/powerpoint/2010/main" val="2770336546"/>
+      </p:ext>
+    </p:extLst>
+  </p:cSld>
+  <p:clrMapOvr>
+    <a:masterClrMapping/>
+  </p:clrMapOvr>
+</p:sld>
+</file>
+
+<file path=ppt/slides/slide12.xml><?xml version="1.0" encoding="utf-8"?>
+<p:sld xmlns:a="http://schemas.openxmlformats.org/drawingml/2006/main" xmlns:r="http://schemas.openxmlformats.org/officeDocument/2006/relationships" xmlns:p="http://schemas.openxmlformats.org/presentationml/2006/main">
+  <p:cSld>
+    <p:spTree>
+      <p:nvGrpSpPr>
+        <p:cNvPr id="1" name=""/>
+        <p:cNvGrpSpPr/>
+        <p:nvPr/>
+      </p:nvGrpSpPr>
+      <p:grpSpPr>
+        <a:xfrm>
+          <a:off x="0" y="0"/>
+          <a:ext cx="0" cy="0"/>
+          <a:chOff x="0" y="0"/>
+          <a:chExt cx="0" cy="0"/>
+        </a:xfrm>
+      </p:grpSpPr>
+      <p:sp>
+        <p:nvSpPr>
+          <p:cNvPr id="2" name="Title 1">
+            <a:extLst>
+              <a:ext uri="{FF2B5EF4-FFF2-40B4-BE49-F238E27FC236}">
+                <a16:creationId xmlns:a16="http://schemas.microsoft.com/office/drawing/2014/main" id="{17C51846-635E-7C37-BFEB-74A97C1B42DD}"/>
+              </a:ext>
+            </a:extLst>
+          </p:cNvPr>
+          <p:cNvSpPr>
+            <a:spLocks noGrp="1"/>
+          </p:cNvSpPr>
+          <p:nvPr>
+            <p:ph type="title"/>
+          </p:nvPr>
+        </p:nvSpPr>
+        <p:spPr/>
+        <p:txBody>
+          <a:bodyPr/>
+          <a:lstStyle/>
+          <a:p>
+            <a:r>
+              <a:rPr lang="en-US" dirty="0" err="1"/>
+              <a:t>Fontset</a:t>
+            </a:r>
+            <a:r>
+              <a:rPr lang="en-US" dirty="0"/>
+              <a:t> Creation</a:t>
+            </a:r>
+          </a:p>
+        </p:txBody>
+      </p:sp>
+      <p:pic>
+        <p:nvPicPr>
+          <p:cNvPr id="5" name="Picture 4">
+            <a:extLst>
+              <a:ext uri="{FF2B5EF4-FFF2-40B4-BE49-F238E27FC236}">
+                <a16:creationId xmlns:a16="http://schemas.microsoft.com/office/drawing/2014/main" id="{BA65C653-E627-5E47-38FB-1DE55D31AA75}"/>
+              </a:ext>
+            </a:extLst>
+          </p:cNvPr>
+          <p:cNvPicPr>
+            <a:picLocks noChangeAspect="1"/>
+          </p:cNvPicPr>
+          <p:nvPr/>
+        </p:nvPicPr>
+        <p:blipFill>
+          <a:blip r:embed="rId2"/>
+          <a:stretch>
+            <a:fillRect/>
+          </a:stretch>
+        </p:blipFill>
+        <p:spPr>
+          <a:xfrm>
+            <a:off x="1206500" y="1678065"/>
+            <a:ext cx="9779000" cy="4649033"/>
+          </a:xfrm>
+          <a:prstGeom prst="rect">
+            <a:avLst/>
+          </a:prstGeom>
+        </p:spPr>
+      </p:pic>
+    </p:spTree>
+    <p:extLst>
+      <p:ext uri="{BB962C8B-B14F-4D97-AF65-F5344CB8AC3E}">
+        <p14:creationId xmlns:p14="http://schemas.microsoft.com/office/powerpoint/2010/main" val="2645237879"/>
+      </p:ext>
+    </p:extLst>
+  </p:cSld>
+  <p:clrMapOvr>
+    <a:masterClrMapping/>
+  </p:clrMapOvr>
+</p:sld>
+</file>
+
+<file path=ppt/slides/slide13.xml><?xml version="1.0" encoding="utf-8"?>
+<p:sld xmlns:a="http://schemas.openxmlformats.org/drawingml/2006/main" xmlns:r="http://schemas.openxmlformats.org/officeDocument/2006/relationships" xmlns:p="http://schemas.openxmlformats.org/presentationml/2006/main">
+  <p:cSld>
+    <p:spTree>
+      <p:nvGrpSpPr>
+        <p:cNvPr id="1" name=""/>
+        <p:cNvGrpSpPr/>
+        <p:nvPr/>
+      </p:nvGrpSpPr>
+      <p:grpSpPr>
+        <a:xfrm>
+          <a:off x="0" y="0"/>
+          <a:ext cx="0" cy="0"/>
+          <a:chOff x="0" y="0"/>
+          <a:chExt cx="0" cy="0"/>
+        </a:xfrm>
+      </p:grpSpPr>
+      <p:sp>
+        <p:nvSpPr>
+          <p:cNvPr id="2" name="Title 1">
+            <a:extLst>
+              <a:ext uri="{FF2B5EF4-FFF2-40B4-BE49-F238E27FC236}">
+                <a16:creationId xmlns:a16="http://schemas.microsoft.com/office/drawing/2014/main" id="{7457740D-D1AA-BF4E-0873-973E34942201}"/>
+              </a:ext>
+            </a:extLst>
+          </p:cNvPr>
+          <p:cNvSpPr>
+            <a:spLocks noGrp="1"/>
+          </p:cNvSpPr>
+          <p:nvPr>
+            <p:ph type="title"/>
+          </p:nvPr>
+        </p:nvSpPr>
+        <p:spPr/>
+        <p:txBody>
+          <a:bodyPr/>
+          <a:lstStyle/>
+          <a:p>
+            <a:r>
+              <a:rPr lang="en-US" dirty="0" err="1"/>
+              <a:t>Fontset</a:t>
+            </a:r>
+            <a:r>
+              <a:rPr lang="en-US" dirty="0"/>
+              <a:t> Creation Functionality</a:t>
+            </a:r>
+          </a:p>
+        </p:txBody>
+      </p:sp>
+      <p:pic>
+        <p:nvPicPr>
+          <p:cNvPr id="5" name="Content Placeholder 4">
+            <a:extLst>
+              <a:ext uri="{FF2B5EF4-FFF2-40B4-BE49-F238E27FC236}">
+                <a16:creationId xmlns:a16="http://schemas.microsoft.com/office/drawing/2014/main" id="{898D47D3-98F5-7DFA-6A8E-CA08F8BFBD63}"/>
+              </a:ext>
+            </a:extLst>
+          </p:cNvPr>
+          <p:cNvPicPr>
+            <a:picLocks noGrp="1" noChangeAspect="1"/>
+          </p:cNvPicPr>
+          <p:nvPr>
+            <p:ph idx="1"/>
+          </p:nvPr>
+        </p:nvPicPr>
+        <p:blipFill>
+          <a:blip r:embed="rId2"/>
+          <a:stretch>
+            <a:fillRect/>
+          </a:stretch>
+        </p:blipFill>
+        <p:spPr>
+          <a:xfrm>
+            <a:off x="2083515" y="1825625"/>
+            <a:ext cx="8024970" cy="4351338"/>
+          </a:xfrm>
+        </p:spPr>
+      </p:pic>
+    </p:spTree>
+    <p:extLst>
+      <p:ext uri="{BB962C8B-B14F-4D97-AF65-F5344CB8AC3E}">
+        <p14:creationId xmlns:p14="http://schemas.microsoft.com/office/powerpoint/2010/main" val="751366926"/>
+      </p:ext>
+    </p:extLst>
+  </p:cSld>
+  <p:clrMapOvr>
+    <a:masterClrMapping/>
+  </p:clrMapOvr>
+</p:sld>
+</file>
+
+<file path=ppt/slides/slide14.xml><?xml version="1.0" encoding="utf-8"?>
+<p:sld xmlns:a="http://schemas.openxmlformats.org/drawingml/2006/main" xmlns:r="http://schemas.openxmlformats.org/officeDocument/2006/relationships" xmlns:p="http://schemas.openxmlformats.org/presentationml/2006/main">
+  <p:cSld>
+    <p:spTree>
+      <p:nvGrpSpPr>
+        <p:cNvPr id="1" name=""/>
+        <p:cNvGrpSpPr/>
+        <p:nvPr/>
+      </p:nvGrpSpPr>
+      <p:grpSpPr>
+        <a:xfrm>
+          <a:off x="0" y="0"/>
+          <a:ext cx="0" cy="0"/>
+          <a:chOff x="0" y="0"/>
+          <a:chExt cx="0" cy="0"/>
+        </a:xfrm>
+      </p:grpSpPr>
+      <p:sp>
+        <p:nvSpPr>
+          <p:cNvPr id="2" name="Title 1">
+            <a:extLst>
+              <a:ext uri="{FF2B5EF4-FFF2-40B4-BE49-F238E27FC236}">
+                <a16:creationId xmlns:a16="http://schemas.microsoft.com/office/drawing/2014/main" id="{17C51846-635E-7C37-BFEB-74A97C1B42DD}"/>
+              </a:ext>
+            </a:extLst>
+          </p:cNvPr>
+          <p:cNvSpPr>
+            <a:spLocks noGrp="1"/>
+          </p:cNvSpPr>
+          <p:nvPr>
+            <p:ph type="title"/>
+          </p:nvPr>
+        </p:nvSpPr>
+        <p:spPr/>
+        <p:txBody>
+          <a:bodyPr/>
+          <a:lstStyle/>
+          <a:p>
+            <a:r>
+              <a:rPr lang="en-US" dirty="0"/>
+              <a:t>Dictionary</a:t>
+            </a:r>
+          </a:p>
+        </p:txBody>
+      </p:sp>
+      <p:pic>
+        <p:nvPicPr>
+          <p:cNvPr id="4" name="Picture 3">
+            <a:extLst>
+              <a:ext uri="{FF2B5EF4-FFF2-40B4-BE49-F238E27FC236}">
+                <a16:creationId xmlns:a16="http://schemas.microsoft.com/office/drawing/2014/main" id="{616CDF82-C7F8-D0A2-9687-855FBCDB214E}"/>
+              </a:ext>
+            </a:extLst>
+          </p:cNvPr>
+          <p:cNvPicPr>
+            <a:picLocks noChangeAspect="1"/>
+          </p:cNvPicPr>
+          <p:nvPr/>
+        </p:nvPicPr>
+        <p:blipFill>
+          <a:blip r:embed="rId2"/>
+          <a:stretch>
+            <a:fillRect/>
+          </a:stretch>
+        </p:blipFill>
+        <p:spPr>
+          <a:xfrm>
+            <a:off x="1333500" y="1563768"/>
+            <a:ext cx="10363200" cy="4929107"/>
+          </a:xfrm>
+          <a:prstGeom prst="rect">
+            <a:avLst/>
+          </a:prstGeom>
+        </p:spPr>
+      </p:pic>
+    </p:spTree>
+    <p:extLst>
+      <p:ext uri="{BB962C8B-B14F-4D97-AF65-F5344CB8AC3E}">
+        <p14:creationId xmlns:p14="http://schemas.microsoft.com/office/powerpoint/2010/main" val="3924778592"/>
+      </p:ext>
+    </p:extLst>
+  </p:cSld>
+  <p:clrMapOvr>
+    <a:masterClrMapping/>
+  </p:clrMapOvr>
+</p:sld>
+</file>
+
+<file path=ppt/slides/slide15.xml><?xml version="1.0" encoding="utf-8"?>
+<p:sld xmlns:a="http://schemas.openxmlformats.org/drawingml/2006/main" xmlns:r="http://schemas.openxmlformats.org/officeDocument/2006/relationships" xmlns:p="http://schemas.openxmlformats.org/presentationml/2006/main">
+  <p:cSld>
+    <p:spTree>
+      <p:nvGrpSpPr>
+        <p:cNvPr id="1" name=""/>
+        <p:cNvGrpSpPr/>
+        <p:nvPr/>
+      </p:nvGrpSpPr>
+      <p:grpSpPr>
+        <a:xfrm>
+          <a:off x="0" y="0"/>
+          <a:ext cx="0" cy="0"/>
+          <a:chOff x="0" y="0"/>
+          <a:chExt cx="0" cy="0"/>
+        </a:xfrm>
+      </p:grpSpPr>
+      <p:sp>
+        <p:nvSpPr>
+          <p:cNvPr id="2" name="Title 1">
+            <a:extLst>
+              <a:ext uri="{FF2B5EF4-FFF2-40B4-BE49-F238E27FC236}">
+                <a16:creationId xmlns:a16="http://schemas.microsoft.com/office/drawing/2014/main" id="{17C51846-635E-7C37-BFEB-74A97C1B42DD}"/>
+              </a:ext>
+            </a:extLst>
+          </p:cNvPr>
+          <p:cNvSpPr>
+            <a:spLocks noGrp="1"/>
+          </p:cNvSpPr>
+          <p:nvPr>
+            <p:ph type="title"/>
+          </p:nvPr>
+        </p:nvSpPr>
+        <p:spPr/>
+        <p:txBody>
+          <a:bodyPr/>
+          <a:lstStyle/>
+          <a:p>
+            <a:r>
+              <a:rPr lang="en-US" dirty="0"/>
+              <a:t>Keyboard</a:t>
+            </a:r>
+          </a:p>
+        </p:txBody>
+      </p:sp>
+      <p:pic>
+        <p:nvPicPr>
+          <p:cNvPr id="4" name="Picture 3">
+            <a:extLst>
+              <a:ext uri="{FF2B5EF4-FFF2-40B4-BE49-F238E27FC236}">
+                <a16:creationId xmlns:a16="http://schemas.microsoft.com/office/drawing/2014/main" id="{6374D645-7747-46E3-1C86-AB26EC51D6F3}"/>
+              </a:ext>
+            </a:extLst>
+          </p:cNvPr>
+          <p:cNvPicPr>
+            <a:picLocks noChangeAspect="1"/>
+          </p:cNvPicPr>
+          <p:nvPr/>
+        </p:nvPicPr>
+        <p:blipFill>
+          <a:blip r:embed="rId2"/>
+          <a:stretch>
+            <a:fillRect/>
+          </a:stretch>
+        </p:blipFill>
+        <p:spPr>
+          <a:xfrm>
+            <a:off x="908050" y="1788732"/>
+            <a:ext cx="10375900" cy="4931013"/>
+          </a:xfrm>
+          <a:prstGeom prst="rect">
+            <a:avLst/>
+          </a:prstGeom>
+        </p:spPr>
+      </p:pic>
+    </p:spTree>
+    <p:extLst>
+      <p:ext uri="{BB962C8B-B14F-4D97-AF65-F5344CB8AC3E}">
+        <p14:creationId xmlns:p14="http://schemas.microsoft.com/office/powerpoint/2010/main" val="3402881421"/>
+      </p:ext>
+    </p:extLst>
+  </p:cSld>
+  <p:clrMapOvr>
+    <a:masterClrMapping/>
+  </p:clrMapOvr>
+</p:sld>
+</file>
+
+<file path=ppt/slides/slide16.xml><?xml version="1.0" encoding="utf-8"?>
+<p:sld xmlns:a="http://schemas.openxmlformats.org/drawingml/2006/main" xmlns:r="http://schemas.openxmlformats.org/officeDocument/2006/relationships" xmlns:p="http://schemas.openxmlformats.org/presentationml/2006/main">
+  <p:cSld>
+    <p:spTree>
+      <p:nvGrpSpPr>
+        <p:cNvPr id="1" name=""/>
+        <p:cNvGrpSpPr/>
+        <p:nvPr/>
+      </p:nvGrpSpPr>
+      <p:grpSpPr>
+        <a:xfrm>
+          <a:off x="0" y="0"/>
+          <a:ext cx="0" cy="0"/>
+          <a:chOff x="0" y="0"/>
+          <a:chExt cx="0" cy="0"/>
+        </a:xfrm>
+      </p:grpSpPr>
+      <p:sp>
+        <p:nvSpPr>
+          <p:cNvPr id="2" name="Title 1">
+            <a:extLst>
+              <a:ext uri="{FF2B5EF4-FFF2-40B4-BE49-F238E27FC236}">
+                <a16:creationId xmlns:a16="http://schemas.microsoft.com/office/drawing/2014/main" id="{F8B1AFBC-2DBD-9A38-2AF4-727AE7B8B94F}"/>
+              </a:ext>
+            </a:extLst>
+          </p:cNvPr>
+          <p:cNvSpPr>
+            <a:spLocks noGrp="1"/>
+          </p:cNvSpPr>
+          <p:nvPr>
+            <p:ph type="title"/>
+          </p:nvPr>
+        </p:nvSpPr>
+        <p:spPr/>
+        <p:txBody>
+          <a:bodyPr/>
+          <a:lstStyle/>
+          <a:p>
+            <a:r>
+              <a:rPr lang="en-US" dirty="0"/>
+              <a:t>Education</a:t>
+            </a:r>
+          </a:p>
+        </p:txBody>
+      </p:sp>
+      <p:pic>
+        <p:nvPicPr>
+          <p:cNvPr id="5" name="Content Placeholder 4">
+            <a:extLst>
+              <a:ext uri="{FF2B5EF4-FFF2-40B4-BE49-F238E27FC236}">
+                <a16:creationId xmlns:a16="http://schemas.microsoft.com/office/drawing/2014/main" id="{52DD22BD-8913-615A-1949-83859D41F32A}"/>
+              </a:ext>
+            </a:extLst>
+          </p:cNvPr>
+          <p:cNvPicPr>
+            <a:picLocks noGrp="1" noChangeAspect="1"/>
+          </p:cNvPicPr>
+          <p:nvPr>
+            <p:ph idx="1"/>
+          </p:nvPr>
+        </p:nvPicPr>
+        <p:blipFill>
+          <a:blip r:embed="rId2"/>
+          <a:stretch>
+            <a:fillRect/>
+          </a:stretch>
+        </p:blipFill>
+        <p:spPr>
+          <a:xfrm>
+            <a:off x="1522753" y="1825625"/>
+            <a:ext cx="9146493" cy="4351338"/>
+          </a:xfrm>
+        </p:spPr>
+      </p:pic>
+    </p:spTree>
+    <p:extLst>
+      <p:ext uri="{BB962C8B-B14F-4D97-AF65-F5344CB8AC3E}">
+        <p14:creationId xmlns:p14="http://schemas.microsoft.com/office/powerpoint/2010/main" val="3217238240"/>
+      </p:ext>
+    </p:extLst>
+  </p:cSld>
+  <p:clrMapOvr>
+    <a:masterClrMapping/>
+  </p:clrMapOvr>
+</p:sld>
+</file>
+
+<file path=ppt/slides/slide17.xml><?xml version="1.0" encoding="utf-8"?>
+<p:sld xmlns:a="http://schemas.openxmlformats.org/drawingml/2006/main" xmlns:r="http://schemas.openxmlformats.org/officeDocument/2006/relationships" xmlns:p="http://schemas.openxmlformats.org/presentationml/2006/main">
+  <p:cSld>
+    <p:spTree>
+      <p:nvGrpSpPr>
+        <p:cNvPr id="1" name=""/>
+        <p:cNvGrpSpPr/>
+        <p:nvPr/>
+      </p:nvGrpSpPr>
+      <p:grpSpPr>
+        <a:xfrm>
+          <a:off x="0" y="0"/>
+          <a:ext cx="0" cy="0"/>
+          <a:chOff x="0" y="0"/>
+          <a:chExt cx="0" cy="0"/>
+        </a:xfrm>
+      </p:grpSpPr>
+      <p:sp>
+        <p:nvSpPr>
+          <p:cNvPr id="2" name="Title 1">
+            <a:extLst>
+              <a:ext uri="{FF2B5EF4-FFF2-40B4-BE49-F238E27FC236}">
+                <a16:creationId xmlns:a16="http://schemas.microsoft.com/office/drawing/2014/main" id="{6D6B9A3A-7603-4E11-D3B1-8CF304F00316}"/>
+              </a:ext>
+            </a:extLst>
+          </p:cNvPr>
+          <p:cNvSpPr>
+            <a:spLocks noGrp="1"/>
+          </p:cNvSpPr>
+          <p:nvPr>
+            <p:ph type="title"/>
+          </p:nvPr>
+        </p:nvSpPr>
+        <p:spPr/>
+        <p:txBody>
+          <a:bodyPr/>
+          <a:lstStyle/>
+          <a:p>
+            <a:r>
+              <a:rPr lang="en-US" dirty="0"/>
+              <a:t>Blog</a:t>
+            </a:r>
+          </a:p>
+        </p:txBody>
+      </p:sp>
+      <p:pic>
+        <p:nvPicPr>
+          <p:cNvPr id="5" name="Content Placeholder 4">
+            <a:extLst>
+              <a:ext uri="{FF2B5EF4-FFF2-40B4-BE49-F238E27FC236}">
+                <a16:creationId xmlns:a16="http://schemas.microsoft.com/office/drawing/2014/main" id="{BB540CFD-74A0-6E4F-C2F5-12BA5723593A}"/>
+              </a:ext>
+            </a:extLst>
+          </p:cNvPr>
+          <p:cNvPicPr>
+            <a:picLocks noGrp="1" noChangeAspect="1"/>
+          </p:cNvPicPr>
+          <p:nvPr>
+            <p:ph idx="1"/>
+          </p:nvPr>
+        </p:nvPicPr>
+        <p:blipFill>
+          <a:blip r:embed="rId2"/>
+          <a:stretch>
+            <a:fillRect/>
+          </a:stretch>
+        </p:blipFill>
+        <p:spPr>
+          <a:xfrm>
+            <a:off x="1513618" y="1825625"/>
+            <a:ext cx="9164764" cy="4351338"/>
+          </a:xfrm>
+        </p:spPr>
+      </p:pic>
+    </p:spTree>
+    <p:extLst>
+      <p:ext uri="{BB962C8B-B14F-4D97-AF65-F5344CB8AC3E}">
+        <p14:creationId xmlns:p14="http://schemas.microsoft.com/office/powerpoint/2010/main" val="990940319"/>
+      </p:ext>
+    </p:extLst>
+  </p:cSld>
+  <p:clrMapOvr>
+    <a:masterClrMapping/>
+  </p:clrMapOvr>
+</p:sld>
+</file>
+
+<file path=ppt/slides/slide18.xml><?xml version="1.0" encoding="utf-8"?>
+<p:sld xmlns:a="http://schemas.openxmlformats.org/drawingml/2006/main" xmlns:r="http://schemas.openxmlformats.org/officeDocument/2006/relationships" xmlns:p="http://schemas.openxmlformats.org/presentationml/2006/main">
+  <p:cSld>
+    <p:spTree>
+      <p:nvGrpSpPr>
+        <p:cNvPr id="1" name=""/>
+        <p:cNvGrpSpPr/>
+        <p:nvPr/>
+      </p:nvGrpSpPr>
+      <p:grpSpPr>
+        <a:xfrm>
+          <a:off x="0" y="0"/>
+          <a:ext cx="0" cy="0"/>
+          <a:chOff x="0" y="0"/>
+          <a:chExt cx="0" cy="0"/>
+        </a:xfrm>
+      </p:grpSpPr>
+      <p:sp>
+        <p:nvSpPr>
+          <p:cNvPr id="2" name="Title 1">
+            <a:extLst>
+              <a:ext uri="{FF2B5EF4-FFF2-40B4-BE49-F238E27FC236}">
+                <a16:creationId xmlns:a16="http://schemas.microsoft.com/office/drawing/2014/main" id="{6D6B9A3A-7603-4E11-D3B1-8CF304F00316}"/>
+              </a:ext>
+            </a:extLst>
+          </p:cNvPr>
+          <p:cNvSpPr>
+            <a:spLocks noGrp="1"/>
+          </p:cNvSpPr>
+          <p:nvPr>
+            <p:ph type="title"/>
+          </p:nvPr>
+        </p:nvSpPr>
+        <p:spPr/>
+        <p:txBody>
+          <a:bodyPr/>
+          <a:lstStyle/>
+          <a:p>
+            <a:r>
+              <a:rPr lang="en-US" dirty="0"/>
+              <a:t>Log Out</a:t>
+            </a:r>
+          </a:p>
+        </p:txBody>
+      </p:sp>
+      <p:pic>
+        <p:nvPicPr>
+          <p:cNvPr id="5" name="Content Placeholder 4">
+            <a:extLst>
+              <a:ext uri="{FF2B5EF4-FFF2-40B4-BE49-F238E27FC236}">
+                <a16:creationId xmlns:a16="http://schemas.microsoft.com/office/drawing/2014/main" id="{55922F7A-5616-AF62-0410-DD6F6F26A125}"/>
+              </a:ext>
+            </a:extLst>
+          </p:cNvPr>
+          <p:cNvPicPr>
+            <a:picLocks noGrp="1" noChangeAspect="1"/>
+          </p:cNvPicPr>
+          <p:nvPr>
+            <p:ph idx="1"/>
+          </p:nvPr>
+        </p:nvPicPr>
+        <p:blipFill>
+          <a:blip r:embed="rId2"/>
+          <a:stretch>
+            <a:fillRect/>
+          </a:stretch>
+        </p:blipFill>
+        <p:spPr>
+          <a:xfrm>
+            <a:off x="1363920" y="1825625"/>
+            <a:ext cx="9464160" cy="4351338"/>
+          </a:xfrm>
+        </p:spPr>
+      </p:pic>
+    </p:spTree>
+    <p:extLst>
+      <p:ext uri="{BB962C8B-B14F-4D97-AF65-F5344CB8AC3E}">
+        <p14:creationId xmlns:p14="http://schemas.microsoft.com/office/powerpoint/2010/main" val="3754447204"/>
+      </p:ext>
+    </p:extLst>
+  </p:cSld>
+  <p:clrMapOvr>
+    <a:masterClrMapping/>
+  </p:clrMapOvr>
+</p:sld>
+</file>
+
+<file path=ppt/slides/slide19.xml><?xml version="1.0" encoding="utf-8"?>
+<p:sld xmlns:a="http://schemas.openxmlformats.org/drawingml/2006/main" xmlns:r="http://schemas.openxmlformats.org/officeDocument/2006/relationships" xmlns:p="http://schemas.openxmlformats.org/presentationml/2006/main">
+  <p:cSld>
+    <p:spTree>
+      <p:nvGrpSpPr>
+        <p:cNvPr id="1" name=""/>
+        <p:cNvGrpSpPr/>
+        <p:nvPr/>
+      </p:nvGrpSpPr>
+      <p:grpSpPr>
+        <a:xfrm>
+          <a:off x="0" y="0"/>
+          <a:ext cx="0" cy="0"/>
+          <a:chOff x="0" y="0"/>
+          <a:chExt cx="0" cy="0"/>
+        </a:xfrm>
+      </p:grpSpPr>
+      <p:sp>
+        <p:nvSpPr>
+          <p:cNvPr id="2" name="Title 1">
+            <a:extLst>
+              <a:ext uri="{FF2B5EF4-FFF2-40B4-BE49-F238E27FC236}">
+                <a16:creationId xmlns:a16="http://schemas.microsoft.com/office/drawing/2014/main" id="{6F8D7EFE-08BC-C97C-F60D-751961FC251B}"/>
+              </a:ext>
+            </a:extLst>
+          </p:cNvPr>
+          <p:cNvSpPr>
+            <a:spLocks noGrp="1"/>
+          </p:cNvSpPr>
+          <p:nvPr>
+            <p:ph type="title"/>
+          </p:nvPr>
+        </p:nvSpPr>
+        <p:spPr/>
+        <p:txBody>
+          <a:bodyPr/>
+          <a:lstStyle/>
+          <a:p>
+            <a:r>
+              <a:rPr lang="en-US" dirty="0"/>
+              <a:t>Original UI Flow ……</a:t>
+            </a:r>
+          </a:p>
+        </p:txBody>
+      </p:sp>
+    </p:spTree>
+    <p:extLst>
+      <p:ext uri="{BB962C8B-B14F-4D97-AF65-F5344CB8AC3E}">
+        <p14:creationId xmlns:p14="http://schemas.microsoft.com/office/powerpoint/2010/main" val="2859813400"/>
+      </p:ext>
+    </p:extLst>
+  </p:cSld>
+  <p:clrMapOvr>
+    <a:masterClrMapping/>
+  </p:clrMapOvr>
+</p:sld>
+</file>
+
+<file path=ppt/slides/slide2.xml><?xml version="1.0" encoding="utf-8"?>
+<p:sld xmlns:a="http://schemas.openxmlformats.org/drawingml/2006/main" xmlns:r="http://schemas.openxmlformats.org/officeDocument/2006/relationships" xmlns:p="http://schemas.openxmlformats.org/presentationml/2006/main">
+  <p:cSld>
+    <p:spTree>
+      <p:nvGrpSpPr>
+        <p:cNvPr id="1" name=""/>
+        <p:cNvGrpSpPr/>
+        <p:nvPr/>
+      </p:nvGrpSpPr>
+      <p:grpSpPr>
+        <a:xfrm>
+          <a:off x="0" y="0"/>
+          <a:ext cx="0" cy="0"/>
+          <a:chOff x="0" y="0"/>
+          <a:chExt cx="0" cy="0"/>
+        </a:xfrm>
+      </p:grpSpPr>
+      <p:sp>
+        <p:nvSpPr>
+          <p:cNvPr id="2" name="Title 1"/>
+          <p:cNvSpPr>
+            <a:spLocks noGrp="1"/>
+          </p:cNvSpPr>
+          <p:nvPr>
+            <p:ph type="title"/>
+          </p:nvPr>
+        </p:nvSpPr>
+        <p:spPr>
+          <a:xfrm>
+            <a:off x="0" y="1"/>
+            <a:ext cx="11353800" cy="939799"/>
+          </a:xfrm>
+        </p:spPr>
+        <p:txBody>
+          <a:bodyPr/>
+          <a:lstStyle/>
+          <a:p>
+            <a:r>
+              <a:rPr lang="en-US" b="1" dirty="0">
+                <a:solidFill>
+                  <a:schemeClr val="tx1"/>
+                </a:solidFill>
+                <a:latin typeface="+mn-lt"/>
+              </a:rPr>
+              <a:t>Project Objectives</a:t>
+            </a:r>
+          </a:p>
+        </p:txBody>
+      </p:sp>
+      <p:sp>
+        <p:nvSpPr>
+          <p:cNvPr id="3" name="Content Placeholder 2"/>
+          <p:cNvSpPr>
+            <a:spLocks noGrp="1"/>
+          </p:cNvSpPr>
+          <p:nvPr>
+            <p:ph idx="1"/>
+          </p:nvPr>
+        </p:nvSpPr>
+        <p:spPr>
+          <a:xfrm>
+            <a:off x="139700" y="1600199"/>
+            <a:ext cx="11912600" cy="5257800"/>
+          </a:xfrm>
+        </p:spPr>
+        <p:txBody>
+          <a:bodyPr vert="horz" lIns="45720" tIns="45720" rIns="45720" bIns="45720" rtlCol="0" anchor="t">
+            <a:noAutofit/>
+          </a:bodyPr>
+          <a:lstStyle/>
+          <a:p>
+            <a:pPr marL="264795" lvl="1" indent="-182880">
+              <a:buFont typeface="Arial" charset="0"/>
+              <a:buChar char="•"/>
+            </a:pPr>
+            <a:r>
+              <a:rPr lang="en-US" sz="2000" b="0" i="0" dirty="0">
+                <a:solidFill>
+                  <a:srgbClr val="1F2328"/>
+                </a:solidFill>
+                <a:effectLst/>
+                <a:latin typeface="-apple-system"/>
+              </a:rPr>
+              <a:t>Dyslexic people see ANS differently than most people. Our team project is to provide a way for people with dyslexia to create their own "language" and be able to translate it to and from the English language that is seen by people without dyslexia. The intent is to build one or more dyslexic database tables of font sets and words that can be used in the future to help dyslexic users read and write in English on their own terms, thereby including them as the individuals they are by accepting how they see characters.</a:t>
+            </a:r>
+          </a:p>
+          <a:p>
+            <a:pPr marL="81915" lvl="1" indent="0">
+              <a:buNone/>
+            </a:pPr>
+            <a:endParaRPr lang="en-US" sz="2000" b="0" i="0" dirty="0">
+              <a:solidFill>
+                <a:srgbClr val="1F2328"/>
+              </a:solidFill>
+              <a:effectLst/>
+              <a:latin typeface="-apple-system"/>
+            </a:endParaRPr>
+          </a:p>
+          <a:p>
+            <a:pPr marL="264795" lvl="1" indent="-182880">
+              <a:buFont typeface="Arial" charset="0"/>
+              <a:buChar char="•"/>
+            </a:pPr>
+            <a:r>
+              <a:rPr lang="en-US" sz="2000" b="0" i="0" dirty="0">
+                <a:solidFill>
+                  <a:srgbClr val="1F2328"/>
+                </a:solidFill>
+                <a:effectLst/>
+                <a:latin typeface="-apple-system"/>
+              </a:rPr>
+              <a:t>The project will provide a website that allows a user to create a personalized font set of English ANS as each user sees them, hence creating one or more new dyslexic “languages”. </a:t>
+            </a:r>
+          </a:p>
+          <a:p>
+            <a:pPr marL="264795" lvl="1" indent="-182880">
+              <a:buFont typeface="Arial" charset="0"/>
+              <a:buChar char="•"/>
+            </a:pPr>
+            <a:endParaRPr lang="en-US" sz="2000" b="0" i="0" dirty="0">
+              <a:solidFill>
+                <a:srgbClr val="1F2328"/>
+              </a:solidFill>
+              <a:effectLst/>
+              <a:latin typeface="-apple-system"/>
+            </a:endParaRPr>
+          </a:p>
+          <a:p>
+            <a:pPr marL="264795" lvl="1" indent="-182880">
+              <a:buFont typeface="Arial" charset="0"/>
+              <a:buChar char="•"/>
+            </a:pPr>
+            <a:r>
+              <a:rPr lang="en-US" sz="2000" dirty="0">
+                <a:solidFill>
+                  <a:srgbClr val="1F2328"/>
+                </a:solidFill>
+                <a:latin typeface="-apple-system"/>
+              </a:rPr>
+              <a:t>T</a:t>
+            </a:r>
+            <a:r>
+              <a:rPr lang="en-US" sz="2000" b="0" i="0" dirty="0">
+                <a:solidFill>
+                  <a:srgbClr val="1F2328"/>
+                </a:solidFill>
+                <a:effectLst/>
+                <a:latin typeface="-apple-system"/>
+              </a:rPr>
+              <a:t>he user will create their own unique font dataset of each ANS by selecting from pre-set ANS options provided. </a:t>
+            </a:r>
+          </a:p>
+          <a:p>
+            <a:pPr marL="81915" lvl="1" indent="0">
+              <a:buNone/>
+            </a:pPr>
+            <a:endParaRPr lang="en-US" sz="2000" dirty="0">
+              <a:solidFill>
+                <a:srgbClr val="1F2328"/>
+              </a:solidFill>
+              <a:latin typeface="-apple-system"/>
+            </a:endParaRPr>
+          </a:p>
+          <a:p>
+            <a:pPr marL="264795" lvl="1" indent="-182880">
+              <a:buFont typeface="Arial" charset="0"/>
+              <a:buChar char="•"/>
+            </a:pPr>
+            <a:endParaRPr lang="en-US" sz="2000" dirty="0"/>
+          </a:p>
+        </p:txBody>
+      </p:sp>
+    </p:spTree>
+    <p:extLst>
+      <p:ext uri="{BB962C8B-B14F-4D97-AF65-F5344CB8AC3E}">
+        <p14:creationId xmlns:p14="http://schemas.microsoft.com/office/powerpoint/2010/main" val="1844469290"/>
+      </p:ext>
+    </p:extLst>
+  </p:cSld>
+  <p:clrMapOvr>
+    <a:masterClrMapping/>
+  </p:clrMapOvr>
+</p:sld>
+</file>
+
+<file path=ppt/slides/slide20.xml><?xml version="1.0" encoding="utf-8"?>
+<p:sld xmlns:a="http://schemas.openxmlformats.org/drawingml/2006/main" xmlns:r="http://schemas.openxmlformats.org/officeDocument/2006/relationships" xmlns:p="http://schemas.openxmlformats.org/presentationml/2006/main">
+  <p:cSld>
+    <p:spTree>
+      <p:nvGrpSpPr>
+        <p:cNvPr id="1" name=""/>
+        <p:cNvGrpSpPr/>
+        <p:nvPr/>
+      </p:nvGrpSpPr>
+      <p:grpSpPr>
+        <a:xfrm>
+          <a:off x="0" y="0"/>
+          <a:ext cx="0" cy="0"/>
+          <a:chOff x="0" y="0"/>
+          <a:chExt cx="0" cy="0"/>
+        </a:xfrm>
+      </p:grpSpPr>
+      <p:sp>
+        <p:nvSpPr>
+          <p:cNvPr id="2" name="Title 1">
+            <a:extLst>
+              <a:ext uri="{FF2B5EF4-FFF2-40B4-BE49-F238E27FC236}">
+                <a16:creationId xmlns:a16="http://schemas.microsoft.com/office/drawing/2014/main" id="{656492BF-8348-C078-9907-B7B62BF28A02}"/>
+              </a:ext>
+            </a:extLst>
+          </p:cNvPr>
+          <p:cNvSpPr>
+            <a:spLocks noGrp="1"/>
+          </p:cNvSpPr>
+          <p:nvPr>
+            <p:ph type="title"/>
+          </p:nvPr>
+        </p:nvSpPr>
+        <p:spPr>
+          <a:xfrm>
+            <a:off x="0" y="-17754"/>
+            <a:ext cx="3497802" cy="1216240"/>
+          </a:xfrm>
+        </p:spPr>
+        <p:txBody>
+          <a:bodyPr>
+            <a:normAutofit fontScale="90000"/>
+          </a:bodyPr>
+          <a:lstStyle/>
+          <a:p>
+            <a:r>
+              <a:rPr lang="en-US" dirty="0"/>
+              <a:t>Login or </a:t>
+            </a:r>
+            <a:br>
+              <a:rPr lang="en-US" dirty="0"/>
+            </a:br>
+            <a:r>
+              <a:rPr lang="en-US" dirty="0"/>
+              <a:t>Create Account</a:t>
+            </a:r>
+          </a:p>
+        </p:txBody>
+      </p:sp>
+      <p:pic>
+        <p:nvPicPr>
+          <p:cNvPr id="13" name="Picture 12">
+            <a:extLst>
+              <a:ext uri="{FF2B5EF4-FFF2-40B4-BE49-F238E27FC236}">
+                <a16:creationId xmlns:a16="http://schemas.microsoft.com/office/drawing/2014/main" id="{5AF10B24-FF23-FC84-B401-529729E66564}"/>
+              </a:ext>
+            </a:extLst>
+          </p:cNvPr>
+          <p:cNvPicPr>
+            <a:picLocks noChangeAspect="1"/>
+          </p:cNvPicPr>
+          <p:nvPr/>
+        </p:nvPicPr>
+        <p:blipFill>
+          <a:blip r:embed="rId2"/>
+          <a:stretch>
+            <a:fillRect/>
+          </a:stretch>
+        </p:blipFill>
+        <p:spPr>
+          <a:xfrm>
+            <a:off x="4332303" y="0"/>
+            <a:ext cx="7859697" cy="6858000"/>
+          </a:xfrm>
+          <a:prstGeom prst="rect">
+            <a:avLst/>
+          </a:prstGeom>
+        </p:spPr>
+      </p:pic>
+    </p:spTree>
+    <p:extLst>
+      <p:ext uri="{BB962C8B-B14F-4D97-AF65-F5344CB8AC3E}">
+        <p14:creationId xmlns:p14="http://schemas.microsoft.com/office/powerpoint/2010/main" val="2649755325"/>
+      </p:ext>
+    </p:extLst>
+  </p:cSld>
+  <p:clrMapOvr>
+    <a:masterClrMapping/>
+  </p:clrMapOvr>
+</p:sld>
+</file>
+
+<file path=ppt/slides/slide21.xml><?xml version="1.0" encoding="utf-8"?>
+<p:sld xmlns:a="http://schemas.openxmlformats.org/drawingml/2006/main" xmlns:r="http://schemas.openxmlformats.org/officeDocument/2006/relationships" xmlns:p="http://schemas.openxmlformats.org/presentationml/2006/main">
+  <p:cSld>
+    <p:spTree>
+      <p:nvGrpSpPr>
+        <p:cNvPr id="1" name=""/>
+        <p:cNvGrpSpPr/>
+        <p:nvPr/>
+      </p:nvGrpSpPr>
+      <p:grpSpPr>
+        <a:xfrm>
+          <a:off x="0" y="0"/>
+          <a:ext cx="0" cy="0"/>
+          <a:chOff x="0" y="0"/>
+          <a:chExt cx="0" cy="0"/>
+        </a:xfrm>
+      </p:grpSpPr>
+      <p:sp>
+        <p:nvSpPr>
+          <p:cNvPr id="2" name="Title 1">
+            <a:extLst>
+              <a:ext uri="{FF2B5EF4-FFF2-40B4-BE49-F238E27FC236}">
+                <a16:creationId xmlns:a16="http://schemas.microsoft.com/office/drawing/2014/main" id="{656492BF-8348-C078-9907-B7B62BF28A02}"/>
+              </a:ext>
+            </a:extLst>
+          </p:cNvPr>
+          <p:cNvSpPr>
+            <a:spLocks noGrp="1"/>
+          </p:cNvSpPr>
+          <p:nvPr>
+            <p:ph type="title"/>
+          </p:nvPr>
+        </p:nvSpPr>
+        <p:spPr>
+          <a:xfrm>
+            <a:off x="0" y="-17754"/>
+            <a:ext cx="3497802" cy="1216240"/>
+          </a:xfrm>
+        </p:spPr>
+        <p:txBody>
+          <a:bodyPr>
+            <a:normAutofit fontScale="90000"/>
+          </a:bodyPr>
+          <a:lstStyle/>
+          <a:p>
+            <a:r>
+              <a:rPr lang="en-US" dirty="0"/>
+              <a:t>Login or </a:t>
+            </a:r>
+            <a:br>
+              <a:rPr lang="en-US" dirty="0"/>
+            </a:br>
+            <a:r>
+              <a:rPr lang="en-US" dirty="0"/>
+              <a:t>Create Account</a:t>
+            </a:r>
+          </a:p>
+        </p:txBody>
+      </p:sp>
+      <p:pic>
+        <p:nvPicPr>
+          <p:cNvPr id="13" name="Picture 12">
+            <a:extLst>
+              <a:ext uri="{FF2B5EF4-FFF2-40B4-BE49-F238E27FC236}">
+                <a16:creationId xmlns:a16="http://schemas.microsoft.com/office/drawing/2014/main" id="{5AF10B24-FF23-FC84-B401-529729E66564}"/>
+              </a:ext>
+            </a:extLst>
+          </p:cNvPr>
+          <p:cNvPicPr>
+            <a:picLocks noChangeAspect="1"/>
+          </p:cNvPicPr>
+          <p:nvPr/>
+        </p:nvPicPr>
+        <p:blipFill>
+          <a:blip r:embed="rId2"/>
+          <a:stretch>
+            <a:fillRect/>
+          </a:stretch>
+        </p:blipFill>
+        <p:spPr>
+          <a:xfrm>
+            <a:off x="4332303" y="0"/>
+            <a:ext cx="7859697" cy="6858000"/>
+          </a:xfrm>
+          <a:prstGeom prst="rect">
+            <a:avLst/>
+          </a:prstGeom>
+        </p:spPr>
+      </p:pic>
+    </p:spTree>
+    <p:extLst>
+      <p:ext uri="{BB962C8B-B14F-4D97-AF65-F5344CB8AC3E}">
+        <p14:creationId xmlns:p14="http://schemas.microsoft.com/office/powerpoint/2010/main" val="3338476454"/>
+      </p:ext>
+    </p:extLst>
+  </p:cSld>
+  <p:clrMapOvr>
+    <a:masterClrMapping/>
+  </p:clrMapOvr>
+</p:sld>
+</file>
+
+<file path=ppt/slides/slide22.xml><?xml version="1.0" encoding="utf-8"?>
+<p:sld xmlns:a="http://schemas.openxmlformats.org/drawingml/2006/main" xmlns:r="http://schemas.openxmlformats.org/officeDocument/2006/relationships" xmlns:p="http://schemas.openxmlformats.org/presentationml/2006/main">
+  <p:cSld>
+    <p:spTree>
+      <p:nvGrpSpPr>
+        <p:cNvPr id="1" name=""/>
+        <p:cNvGrpSpPr/>
+        <p:nvPr/>
+      </p:nvGrpSpPr>
+      <p:grpSpPr>
+        <a:xfrm>
+          <a:off x="0" y="0"/>
+          <a:ext cx="0" cy="0"/>
+          <a:chOff x="0" y="0"/>
+          <a:chExt cx="0" cy="0"/>
+        </a:xfrm>
+      </p:grpSpPr>
+      <p:sp>
+        <p:nvSpPr>
+          <p:cNvPr id="2" name="Title 1">
+            <a:extLst>
+              <a:ext uri="{FF2B5EF4-FFF2-40B4-BE49-F238E27FC236}">
                 <a16:creationId xmlns:a16="http://schemas.microsoft.com/office/drawing/2014/main" id="{7BC4C918-CD27-9EF9-0A98-AB68AC455F49}"/>
               </a:ext>
             </a:extLst>
@@ -5190,7 +6524,7 @@
 </p:sld>
 </file>
 
-<file path=ppt/slides/slide11.xml><?xml version="1.0" encoding="utf-8"?>
+<file path=ppt/slides/slide23.xml><?xml version="1.0" encoding="utf-8"?>
 <p:sld xmlns:a="http://schemas.openxmlformats.org/drawingml/2006/main" xmlns:r="http://schemas.openxmlformats.org/officeDocument/2006/relationships" xmlns:p="http://schemas.openxmlformats.org/presentationml/2006/main">
   <p:cSld>
     <p:spTree>
@@ -5285,7 +6619,7 @@
 </p:sld>
 </file>
 
-<file path=ppt/slides/slide12.xml><?xml version="1.0" encoding="utf-8"?>
+<file path=ppt/slides/slide24.xml><?xml version="1.0" encoding="utf-8"?>
 <p:sld xmlns:a="http://schemas.openxmlformats.org/drawingml/2006/main" xmlns:r="http://schemas.openxmlformats.org/officeDocument/2006/relationships" xmlns:p="http://schemas.openxmlformats.org/presentationml/2006/main">
   <p:cSld>
     <p:spTree>
@@ -5864,7 +7198,7 @@
 </p:sld>
 </file>
 
-<file path=ppt/slides/slide13.xml><?xml version="1.0" encoding="utf-8"?>
+<file path=ppt/slides/slide25.xml><?xml version="1.0" encoding="utf-8"?>
 <p:sld xmlns:a="http://schemas.openxmlformats.org/drawingml/2006/main" xmlns:r="http://schemas.openxmlformats.org/officeDocument/2006/relationships" xmlns:p="http://schemas.openxmlformats.org/presentationml/2006/main">
   <p:cSld>
     <p:spTree>
@@ -6445,7 +7779,7 @@
 </p:sld>
 </file>
 
-<file path=ppt/slides/slide14.xml><?xml version="1.0" encoding="utf-8"?>
+<file path=ppt/slides/slide26.xml><?xml version="1.0" encoding="utf-8"?>
 <p:sld xmlns:a="http://schemas.openxmlformats.org/drawingml/2006/main" xmlns:r="http://schemas.openxmlformats.org/officeDocument/2006/relationships" xmlns:p="http://schemas.openxmlformats.org/presentationml/2006/main">
   <p:cSld>
     <p:spTree>
@@ -6853,7 +8187,7 @@
 </p:sld>
 </file>
 
-<file path=ppt/slides/slide15.xml><?xml version="1.0" encoding="utf-8"?>
+<file path=ppt/slides/slide27.xml><?xml version="1.0" encoding="utf-8"?>
 <p:sld xmlns:a="http://schemas.openxmlformats.org/drawingml/2006/main" xmlns:r="http://schemas.openxmlformats.org/officeDocument/2006/relationships" xmlns:p="http://schemas.openxmlformats.org/presentationml/2006/main">
   <p:cSld>
     <p:spTree>
@@ -7200,7 +8534,7 @@
 </p:sld>
 </file>
 
-<file path=ppt/slides/slide16.xml><?xml version="1.0" encoding="utf-8"?>
+<file path=ppt/slides/slide28.xml><?xml version="1.0" encoding="utf-8"?>
 <p:sld xmlns:a="http://schemas.openxmlformats.org/drawingml/2006/main" xmlns:r="http://schemas.openxmlformats.org/officeDocument/2006/relationships" xmlns:p="http://schemas.openxmlformats.org/presentationml/2006/main">
   <p:cSld>
     <p:spTree>
@@ -7716,7 +9050,7 @@
 </p:sld>
 </file>
 
-<file path=ppt/slides/slide17.xml><?xml version="1.0" encoding="utf-8"?>
+<file path=ppt/slides/slide29.xml><?xml version="1.0" encoding="utf-8"?>
 <p:sld xmlns:a="http://schemas.openxmlformats.org/drawingml/2006/main" xmlns:r="http://schemas.openxmlformats.org/officeDocument/2006/relationships" xmlns:p="http://schemas.openxmlformats.org/presentationml/2006/main">
   <p:cSld>
     <p:spTree>
@@ -8070,7 +9404,388 @@
 </p:sld>
 </file>
 
-<file path=ppt/slides/slide18.xml><?xml version="1.0" encoding="utf-8"?>
+<file path=ppt/slides/slide3.xml><?xml version="1.0" encoding="utf-8"?>
+<p:sld xmlns:a="http://schemas.openxmlformats.org/drawingml/2006/main" xmlns:r="http://schemas.openxmlformats.org/officeDocument/2006/relationships" xmlns:p="http://schemas.openxmlformats.org/presentationml/2006/main">
+  <p:cSld>
+    <p:spTree>
+      <p:nvGrpSpPr>
+        <p:cNvPr id="1" name=""/>
+        <p:cNvGrpSpPr/>
+        <p:nvPr/>
+      </p:nvGrpSpPr>
+      <p:grpSpPr>
+        <a:xfrm>
+          <a:off x="0" y="0"/>
+          <a:ext cx="0" cy="0"/>
+          <a:chOff x="0" y="0"/>
+          <a:chExt cx="0" cy="0"/>
+        </a:xfrm>
+      </p:grpSpPr>
+      <p:sp>
+        <p:nvSpPr>
+          <p:cNvPr id="2" name="Title 1"/>
+          <p:cNvSpPr>
+            <a:spLocks noGrp="1"/>
+          </p:cNvSpPr>
+          <p:nvPr>
+            <p:ph type="title"/>
+          </p:nvPr>
+        </p:nvSpPr>
+        <p:spPr>
+          <a:xfrm>
+            <a:off x="0" y="1"/>
+            <a:ext cx="11353800" cy="939799"/>
+          </a:xfrm>
+        </p:spPr>
+        <p:txBody>
+          <a:bodyPr/>
+          <a:lstStyle/>
+          <a:p>
+            <a:r>
+              <a:rPr lang="en-US" b="1" dirty="0">
+                <a:solidFill>
+                  <a:schemeClr val="tx1"/>
+                </a:solidFill>
+                <a:latin typeface="+mn-lt"/>
+              </a:rPr>
+              <a:t>Project Objectives continued …</a:t>
+            </a:r>
+          </a:p>
+        </p:txBody>
+      </p:sp>
+      <p:sp>
+        <p:nvSpPr>
+          <p:cNvPr id="3" name="Content Placeholder 2"/>
+          <p:cNvSpPr>
+            <a:spLocks noGrp="1"/>
+          </p:cNvSpPr>
+          <p:nvPr>
+            <p:ph idx="1"/>
+          </p:nvPr>
+        </p:nvSpPr>
+        <p:spPr>
+          <a:xfrm>
+            <a:off x="0" y="939800"/>
+            <a:ext cx="11912600" cy="5461000"/>
+          </a:xfrm>
+        </p:spPr>
+        <p:txBody>
+          <a:bodyPr vert="horz" lIns="45720" tIns="45720" rIns="45720" bIns="45720" rtlCol="0" anchor="t">
+            <a:noAutofit/>
+          </a:bodyPr>
+          <a:lstStyle/>
+          <a:p>
+            <a:pPr marL="81915" lvl="1" indent="0">
+              <a:buNone/>
+            </a:pPr>
+            <a:r>
+              <a:rPr lang="en-US" sz="1800" dirty="0">
+                <a:solidFill>
+                  <a:srgbClr val="1F2328"/>
+                </a:solidFill>
+                <a:latin typeface="-apple-system"/>
+              </a:rPr>
+              <a:t>Next Steps … Continue working on the website functionality throughout the summer</a:t>
+            </a:r>
+          </a:p>
+          <a:p>
+            <a:pPr marL="81915" lvl="1" indent="0">
+              <a:buNone/>
+            </a:pPr>
+            <a:endParaRPr lang="en-US" sz="1800" dirty="0">
+              <a:solidFill>
+                <a:srgbClr val="1F2328"/>
+              </a:solidFill>
+              <a:latin typeface="-apple-system"/>
+            </a:endParaRPr>
+          </a:p>
+          <a:p>
+            <a:pPr marL="264795" lvl="1" indent="-182880">
+              <a:buFont typeface="Arial" charset="0"/>
+              <a:buChar char="•"/>
+            </a:pPr>
+            <a:r>
+              <a:rPr lang="en-US" sz="1800" b="0" i="0" dirty="0">
+                <a:solidFill>
+                  <a:srgbClr val="1F2328"/>
+                </a:solidFill>
+                <a:effectLst/>
+                <a:latin typeface="-apple-system"/>
+              </a:rPr>
+              <a:t>A voice prompt will prompt the user to select an image for the ANS character displayed to help the user understand what is being requested of them, in case they can’t easily read the visual prompts.</a:t>
+            </a:r>
+          </a:p>
+          <a:p>
+            <a:pPr marL="264795" lvl="1" indent="-182880">
+              <a:buFont typeface="Arial" charset="0"/>
+              <a:buChar char="•"/>
+            </a:pPr>
+            <a:r>
+              <a:rPr lang="en-US" sz="1800" b="0" i="0" dirty="0">
+                <a:solidFill>
+                  <a:srgbClr val="1F2328"/>
+                </a:solidFill>
+                <a:effectLst/>
+                <a:latin typeface="-apple-system"/>
+              </a:rPr>
+              <a:t>Once a user font set is created, </a:t>
+            </a:r>
+            <a:r>
+              <a:rPr lang="en-US" sz="1800" dirty="0">
+                <a:solidFill>
+                  <a:srgbClr val="1F2328"/>
+                </a:solidFill>
+                <a:latin typeface="-apple-system"/>
+              </a:rPr>
+              <a:t>it can be set as the default </a:t>
+            </a:r>
+            <a:r>
+              <a:rPr lang="en-US" sz="1800" b="0" i="0" dirty="0">
+                <a:solidFill>
+                  <a:srgbClr val="1F2328"/>
+                </a:solidFill>
+                <a:effectLst/>
+                <a:latin typeface="-apple-system"/>
+              </a:rPr>
+              <a:t>font set to be used when reading and writing . </a:t>
+            </a:r>
+          </a:p>
+          <a:p>
+            <a:pPr marL="264795" lvl="1" indent="-182880">
+              <a:buFont typeface="Arial" charset="0"/>
+              <a:buChar char="•"/>
+            </a:pPr>
+            <a:r>
+              <a:rPr lang="en-US" sz="1800" b="0" i="0" dirty="0">
+                <a:solidFill>
+                  <a:srgbClr val="1F2328"/>
+                </a:solidFill>
+                <a:effectLst/>
+                <a:latin typeface="-apple-system"/>
+              </a:rPr>
+              <a:t>The user will be able to turn on/off an option to view the generally accepted view of an English ANS set under their font set so they can see the differences or similarities.</a:t>
+            </a:r>
+          </a:p>
+          <a:p>
+            <a:pPr marL="264795" lvl="1" indent="-182880">
+              <a:buFont typeface="Arial" charset="0"/>
+              <a:buChar char="•"/>
+            </a:pPr>
+            <a:r>
+              <a:rPr lang="en-US" sz="1800" dirty="0">
+                <a:solidFill>
+                  <a:srgbClr val="1F2328"/>
+                </a:solidFill>
+                <a:latin typeface="-apple-system"/>
+              </a:rPr>
+              <a:t>Add, modify, delete, read files in the user’s default font set</a:t>
+            </a:r>
+            <a:endParaRPr lang="en-US" sz="1800" b="0" i="0" dirty="0">
+              <a:solidFill>
+                <a:srgbClr val="1F2328"/>
+              </a:solidFill>
+              <a:effectLst/>
+              <a:latin typeface="-apple-system"/>
+            </a:endParaRPr>
+          </a:p>
+          <a:p>
+            <a:pPr marL="264795" lvl="1" indent="-182880">
+              <a:buFont typeface="Arial" charset="0"/>
+              <a:buChar char="•"/>
+            </a:pPr>
+            <a:r>
+              <a:rPr lang="en-US" sz="1800" b="0" i="0" dirty="0">
+                <a:solidFill>
+                  <a:srgbClr val="1F2328"/>
+                </a:solidFill>
+                <a:effectLst/>
+                <a:latin typeface="-apple-system"/>
+              </a:rPr>
+              <a:t>The user will be able to create a dictionary/encyclopedia of words in their unique font set, with a definition</a:t>
+            </a:r>
+            <a:r>
+              <a:rPr lang="en-US" sz="1800" dirty="0">
+                <a:solidFill>
+                  <a:srgbClr val="1F2328"/>
+                </a:solidFill>
+                <a:latin typeface="-apple-system"/>
+              </a:rPr>
+              <a:t> and </a:t>
+            </a:r>
+            <a:r>
+              <a:rPr lang="en-US" sz="1800" b="0" i="0" dirty="0">
+                <a:solidFill>
+                  <a:srgbClr val="1F2328"/>
+                </a:solidFill>
+                <a:effectLst/>
+                <a:latin typeface="-apple-system"/>
+              </a:rPr>
+              <a:t>image.</a:t>
+            </a:r>
+          </a:p>
+          <a:p>
+            <a:pPr marL="264795" lvl="1" indent="-182880">
+              <a:buFont typeface="Arial" charset="0"/>
+              <a:buChar char="•"/>
+            </a:pPr>
+            <a:r>
+              <a:rPr lang="en-US" sz="1800" b="0" i="0" dirty="0">
+                <a:solidFill>
+                  <a:srgbClr val="1F2328"/>
+                </a:solidFill>
+                <a:effectLst/>
+                <a:latin typeface="-apple-system"/>
+              </a:rPr>
+              <a:t>Add, update and delete options will be provided for the font set and the dictionary database tables.</a:t>
+            </a:r>
+          </a:p>
+          <a:p>
+            <a:pPr marL="264795" lvl="1" indent="-182880">
+              <a:buFont typeface="Arial" charset="0"/>
+              <a:buChar char="•"/>
+            </a:pPr>
+            <a:r>
+              <a:rPr lang="en-US" sz="1800" dirty="0">
+                <a:solidFill>
+                  <a:srgbClr val="1F2328"/>
+                </a:solidFill>
+                <a:latin typeface="-apple-system"/>
+              </a:rPr>
+              <a:t>Display a user keyboard on a touch screen device</a:t>
+            </a:r>
+          </a:p>
+          <a:p>
+            <a:pPr marL="264795" lvl="1" indent="-182880">
+              <a:buFont typeface="Arial" charset="0"/>
+              <a:buChar char="•"/>
+            </a:pPr>
+            <a:r>
+              <a:rPr lang="en-US" sz="1800" dirty="0">
+                <a:solidFill>
+                  <a:srgbClr val="1F2328"/>
+                </a:solidFill>
+                <a:latin typeface="-apple-system"/>
+              </a:rPr>
+              <a:t>Dyslexic related educational links</a:t>
+            </a:r>
+          </a:p>
+          <a:p>
+            <a:pPr marL="264795" lvl="1" indent="-182880">
+              <a:buFont typeface="Arial" charset="0"/>
+              <a:buChar char="•"/>
+            </a:pPr>
+            <a:r>
+              <a:rPr lang="en-US" sz="1800" dirty="0">
+                <a:solidFill>
+                  <a:srgbClr val="1F2328"/>
+                </a:solidFill>
+                <a:latin typeface="-apple-system"/>
+              </a:rPr>
+              <a:t>Statistics on web site usage</a:t>
+            </a:r>
+          </a:p>
+          <a:p>
+            <a:pPr marL="264795" lvl="1" indent="-182880">
+              <a:buFont typeface="Arial" charset="0"/>
+              <a:buChar char="•"/>
+            </a:pPr>
+            <a:r>
+              <a:rPr lang="en-US" sz="1800" dirty="0">
+                <a:solidFill>
+                  <a:srgbClr val="1F2328"/>
+                </a:solidFill>
+                <a:latin typeface="-apple-system"/>
+              </a:rPr>
+              <a:t>User Blog</a:t>
+            </a:r>
+          </a:p>
+          <a:p>
+            <a:pPr marL="264795" lvl="1" indent="-182880">
+              <a:buFont typeface="Arial" charset="0"/>
+              <a:buChar char="•"/>
+            </a:pPr>
+            <a:r>
+              <a:rPr lang="en-US" sz="1800" dirty="0">
+                <a:solidFill>
+                  <a:srgbClr val="1F2328"/>
+                </a:solidFill>
+                <a:latin typeface="-apple-system"/>
+              </a:rPr>
+              <a:t>Allow the user to create their own font set by creating their own characters (versus using the options provided)</a:t>
+            </a:r>
+          </a:p>
+          <a:p>
+            <a:pPr marL="81915" lvl="1" indent="0">
+              <a:buNone/>
+            </a:pPr>
+            <a:endParaRPr lang="en-US" sz="1800" dirty="0">
+              <a:solidFill>
+                <a:srgbClr val="1F2328"/>
+              </a:solidFill>
+              <a:latin typeface="-apple-system"/>
+            </a:endParaRPr>
+          </a:p>
+          <a:p>
+            <a:pPr marL="264795" lvl="1" indent="-182880">
+              <a:buFont typeface="Arial" charset="0"/>
+              <a:buChar char="•"/>
+            </a:pPr>
+            <a:r>
+              <a:rPr lang="en-US" sz="1800" b="1" i="0" dirty="0">
+                <a:solidFill>
+                  <a:srgbClr val="1F2328"/>
+                </a:solidFill>
+                <a:effectLst/>
+                <a:latin typeface="-apple-system"/>
+              </a:rPr>
+              <a:t>Note: ANS = Alpha-Numeric/Special character set</a:t>
+            </a:r>
+          </a:p>
+          <a:p>
+            <a:pPr marL="264795" lvl="1" indent="-182880">
+              <a:buFont typeface="Arial" charset="0"/>
+              <a:buChar char="•"/>
+            </a:pPr>
+            <a:endParaRPr lang="en-US" sz="1800" dirty="0"/>
+          </a:p>
+          <a:p>
+            <a:pPr marL="81915" lvl="1" indent="0">
+              <a:buNone/>
+            </a:pPr>
+            <a:br>
+              <a:rPr lang="en-US" sz="1800" dirty="0"/>
+            </a:br>
+            <a:endParaRPr lang="en-US" sz="1800" dirty="0"/>
+          </a:p>
+          <a:p>
+            <a:pPr marL="81915" lvl="1" indent="0">
+              <a:buNone/>
+            </a:pPr>
+            <a:endParaRPr lang="en-US" sz="1800" dirty="0"/>
+          </a:p>
+          <a:p>
+            <a:pPr marL="264795" lvl="1" indent="-182880">
+              <a:buFont typeface="Arial" charset="0"/>
+              <a:buChar char="•"/>
+            </a:pPr>
+            <a:endParaRPr lang="en-US" sz="1800" dirty="0"/>
+          </a:p>
+        </p:txBody>
+      </p:sp>
+    </p:spTree>
+    <p:extLst>
+      <p:ext uri="{BB962C8B-B14F-4D97-AF65-F5344CB8AC3E}">
+        <p14:creationId xmlns:p14="http://schemas.microsoft.com/office/powerpoint/2010/main" val="4038117413"/>
+      </p:ext>
+    </p:extLst>
+  </p:cSld>
+  <p:clrMapOvr>
+    <a:masterClrMapping/>
+  </p:clrMapOvr>
+</p:sld>
+</file>
+
+<file path=ppt/slides/slide30.xml><?xml version="1.0" encoding="utf-8"?>
 <p:sld xmlns:a="http://schemas.openxmlformats.org/drawingml/2006/main" xmlns:r="http://schemas.openxmlformats.org/officeDocument/2006/relationships" xmlns:p="http://schemas.openxmlformats.org/presentationml/2006/main">
   <p:cSld>
     <p:spTree>
@@ -8412,7 +10127,7 @@
 </p:sld>
 </file>
 
-<file path=ppt/slides/slide19.xml><?xml version="1.0" encoding="utf-8"?>
+<file path=ppt/slides/slide31.xml><?xml version="1.0" encoding="utf-8"?>
 <p:sld xmlns:a="http://schemas.openxmlformats.org/drawingml/2006/main" xmlns:r="http://schemas.openxmlformats.org/officeDocument/2006/relationships" xmlns:p="http://schemas.openxmlformats.org/presentationml/2006/main">
   <p:cSld>
     <p:spTree>
@@ -8741,7 +10456,7 @@
 </p:sld>
 </file>
 
-<file path=ppt/slides/slide2.xml><?xml version="1.0" encoding="utf-8"?>
+<file path=ppt/slides/slide32.xml><?xml version="1.0" encoding="utf-8"?>
 <p:sld xmlns:a="http://schemas.openxmlformats.org/drawingml/2006/main" xmlns:r="http://schemas.openxmlformats.org/officeDocument/2006/relationships" xmlns:p="http://schemas.openxmlformats.org/presentationml/2006/main">
   <p:cSld>
     <p:spTree>
@@ -8760,191 +10475,6 @@
       </p:grpSpPr>
       <p:sp>
         <p:nvSpPr>
-          <p:cNvPr id="2" name="Title 1"/>
-          <p:cNvSpPr>
-            <a:spLocks noGrp="1"/>
-          </p:cNvSpPr>
-          <p:nvPr>
-            <p:ph type="title"/>
-          </p:nvPr>
-        </p:nvSpPr>
-        <p:spPr>
-          <a:xfrm>
-            <a:off x="0" y="1"/>
-            <a:ext cx="11353800" cy="939799"/>
-          </a:xfrm>
-        </p:spPr>
-        <p:txBody>
-          <a:bodyPr/>
-          <a:lstStyle/>
-          <a:p>
-            <a:r>
-              <a:rPr lang="en-US" b="1" dirty="0">
-                <a:solidFill>
-                  <a:schemeClr val="tx1"/>
-                </a:solidFill>
-                <a:latin typeface="+mn-lt"/>
-              </a:rPr>
-              <a:t>Project Objectives</a:t>
-            </a:r>
-          </a:p>
-        </p:txBody>
-      </p:sp>
-      <p:sp>
-        <p:nvSpPr>
-          <p:cNvPr id="3" name="Content Placeholder 2"/>
-          <p:cNvSpPr>
-            <a:spLocks noGrp="1"/>
-          </p:cNvSpPr>
-          <p:nvPr>
-            <p:ph idx="1"/>
-          </p:nvPr>
-        </p:nvSpPr>
-        <p:spPr>
-          <a:xfrm>
-            <a:off x="0" y="1600200"/>
-            <a:ext cx="11912600" cy="5257800"/>
-          </a:xfrm>
-        </p:spPr>
-        <p:txBody>
-          <a:bodyPr vert="horz" lIns="45720" tIns="45720" rIns="45720" bIns="45720" rtlCol="0" anchor="t">
-            <a:noAutofit/>
-          </a:bodyPr>
-          <a:lstStyle/>
-          <a:p>
-            <a:pPr marL="264795" lvl="1" indent="-182880">
-              <a:buFont typeface="Arial" charset="0"/>
-              <a:buChar char="•"/>
-            </a:pPr>
-            <a:r>
-              <a:rPr lang="en-US" sz="2000" b="0" i="0" dirty="0">
-                <a:solidFill>
-                  <a:srgbClr val="1F2328"/>
-                </a:solidFill>
-                <a:effectLst/>
-                <a:latin typeface="-apple-system"/>
-              </a:rPr>
-              <a:t>Dyslexic people see ANS differently than most people. Our team project is to provide a way for people with dyslexia to create their own "language" and be able to translate it to and from the English language that is seen by people without dyslexia. The intent is to build one or more dyslexic database tables of font sets and words that can be used in the future to help dyslexic users read and write in English on their own terms, thereby including them as the individuals they are by accepting how they see characters.</a:t>
-            </a:r>
-          </a:p>
-          <a:p>
-            <a:pPr marL="81915" lvl="1" indent="0">
-              <a:buNone/>
-            </a:pPr>
-            <a:endParaRPr lang="en-US" sz="2000" b="0" i="0" dirty="0">
-              <a:solidFill>
-                <a:srgbClr val="1F2328"/>
-              </a:solidFill>
-              <a:effectLst/>
-              <a:latin typeface="-apple-system"/>
-            </a:endParaRPr>
-          </a:p>
-          <a:p>
-            <a:pPr marL="264795" lvl="1" indent="-182880">
-              <a:buFont typeface="Arial" charset="0"/>
-              <a:buChar char="•"/>
-            </a:pPr>
-            <a:r>
-              <a:rPr lang="en-US" sz="2000" b="0" i="0" dirty="0">
-                <a:solidFill>
-                  <a:srgbClr val="1F2328"/>
-                </a:solidFill>
-                <a:effectLst/>
-                <a:latin typeface="-apple-system"/>
-              </a:rPr>
-              <a:t>The project will provide a website that allows a user to create a personalized font set of English ANS as each user sees them, hence creating one or more new dyslexic “languages”. </a:t>
-            </a:r>
-          </a:p>
-          <a:p>
-            <a:pPr marL="264795" lvl="1" indent="-182880">
-              <a:buFont typeface="Arial" charset="0"/>
-              <a:buChar char="•"/>
-            </a:pPr>
-            <a:endParaRPr lang="en-US" sz="2000" b="0" i="0" dirty="0">
-              <a:solidFill>
-                <a:srgbClr val="1F2328"/>
-              </a:solidFill>
-              <a:effectLst/>
-              <a:latin typeface="-apple-system"/>
-            </a:endParaRPr>
-          </a:p>
-          <a:p>
-            <a:pPr marL="264795" lvl="1" indent="-182880">
-              <a:buFont typeface="Arial" charset="0"/>
-              <a:buChar char="•"/>
-            </a:pPr>
-            <a:r>
-              <a:rPr lang="en-US" sz="2000" dirty="0">
-                <a:solidFill>
-                  <a:srgbClr val="1F2328"/>
-                </a:solidFill>
-                <a:latin typeface="-apple-system"/>
-              </a:rPr>
-              <a:t>T</a:t>
-            </a:r>
-            <a:r>
-              <a:rPr lang="en-US" sz="2000" b="0" i="0" dirty="0">
-                <a:solidFill>
-                  <a:srgbClr val="1F2328"/>
-                </a:solidFill>
-                <a:effectLst/>
-                <a:latin typeface="-apple-system"/>
-              </a:rPr>
-              <a:t>he user will create their own unique font dataset of each ANS by selecting from pre-set ANS options provided. </a:t>
-            </a:r>
-          </a:p>
-          <a:p>
-            <a:pPr marL="81915" lvl="1" indent="0">
-              <a:buNone/>
-            </a:pPr>
-            <a:endParaRPr lang="en-US" sz="2000" dirty="0">
-              <a:solidFill>
-                <a:srgbClr val="1F2328"/>
-              </a:solidFill>
-              <a:latin typeface="-apple-system"/>
-            </a:endParaRPr>
-          </a:p>
-          <a:p>
-            <a:pPr marL="264795" lvl="1" indent="-182880">
-              <a:buFont typeface="Arial" charset="0"/>
-              <a:buChar char="•"/>
-            </a:pPr>
-            <a:endParaRPr lang="en-US" sz="2000" dirty="0"/>
-          </a:p>
-        </p:txBody>
-      </p:sp>
-    </p:spTree>
-    <p:extLst>
-      <p:ext uri="{BB962C8B-B14F-4D97-AF65-F5344CB8AC3E}">
-        <p14:creationId xmlns:p14="http://schemas.microsoft.com/office/powerpoint/2010/main" val="1844469290"/>
-      </p:ext>
-    </p:extLst>
-  </p:cSld>
-  <p:clrMapOvr>
-    <a:masterClrMapping/>
-  </p:clrMapOvr>
-</p:sld>
-</file>
-
-<file path=ppt/slides/slide20.xml><?xml version="1.0" encoding="utf-8"?>
-<p:sld xmlns:a="http://schemas.openxmlformats.org/drawingml/2006/main" xmlns:r="http://schemas.openxmlformats.org/officeDocument/2006/relationships" xmlns:p="http://schemas.openxmlformats.org/presentationml/2006/main">
-  <p:cSld>
-    <p:spTree>
-      <p:nvGrpSpPr>
-        <p:cNvPr id="1" name=""/>
-        <p:cNvGrpSpPr/>
-        <p:nvPr/>
-      </p:nvGrpSpPr>
-      <p:grpSpPr>
-        <a:xfrm>
-          <a:off x="0" y="0"/>
-          <a:ext cx="0" cy="0"/>
-          <a:chOff x="0" y="0"/>
-          <a:chExt cx="0" cy="0"/>
-        </a:xfrm>
-      </p:grpSpPr>
-      <p:sp>
-        <p:nvSpPr>
           <p:cNvPr id="8" name="Title 1">
             <a:extLst>
               <a:ext uri="{FF2B5EF4-FFF2-40B4-BE49-F238E27FC236}">
@@ -10297,7 +11827,7 @@
 </p:sld>
 </file>
 
-<file path=ppt/slides/slide21.xml><?xml version="1.0" encoding="utf-8"?>
+<file path=ppt/slides/slide33.xml><?xml version="1.0" encoding="utf-8"?>
 <p:sld xmlns:a="http://schemas.openxmlformats.org/drawingml/2006/main" xmlns:r="http://schemas.openxmlformats.org/officeDocument/2006/relationships" xmlns:p="http://schemas.openxmlformats.org/presentationml/2006/main">
   <p:cSld>
     <p:spTree>
@@ -10415,519 +11945,6 @@
 </p:sld>
 </file>
 
-<file path=ppt/slides/slide22.xml><?xml version="1.0" encoding="utf-8"?>
-<p:sld xmlns:a="http://schemas.openxmlformats.org/drawingml/2006/main" xmlns:r="http://schemas.openxmlformats.org/officeDocument/2006/relationships" xmlns:p="http://schemas.openxmlformats.org/presentationml/2006/main">
-  <p:cSld>
-    <p:spTree>
-      <p:nvGrpSpPr>
-        <p:cNvPr id="1" name=""/>
-        <p:cNvGrpSpPr/>
-        <p:nvPr/>
-      </p:nvGrpSpPr>
-      <p:grpSpPr>
-        <a:xfrm>
-          <a:off x="0" y="0"/>
-          <a:ext cx="0" cy="0"/>
-          <a:chOff x="0" y="0"/>
-          <a:chExt cx="0" cy="0"/>
-        </a:xfrm>
-      </p:grpSpPr>
-      <p:sp>
-        <p:nvSpPr>
-          <p:cNvPr id="2" name="Title 1"/>
-          <p:cNvSpPr>
-            <a:spLocks noGrp="1"/>
-          </p:cNvSpPr>
-          <p:nvPr>
-            <p:ph type="title"/>
-          </p:nvPr>
-        </p:nvSpPr>
-        <p:spPr/>
-        <p:txBody>
-          <a:bodyPr/>
-          <a:lstStyle/>
-          <a:p>
-            <a:r>
-              <a:rPr lang="en-US" b="1" dirty="0">
-                <a:latin typeface="+mn-lt"/>
-              </a:rPr>
-              <a:t>Appendix: Rubric</a:t>
-            </a:r>
-          </a:p>
-        </p:txBody>
-      </p:sp>
-      <p:sp>
-        <p:nvSpPr>
-          <p:cNvPr id="4" name="Content Placeholder 3"/>
-          <p:cNvSpPr>
-            <a:spLocks noGrp="1"/>
-          </p:cNvSpPr>
-          <p:nvPr>
-            <p:ph idx="1"/>
-          </p:nvPr>
-        </p:nvSpPr>
-        <p:spPr/>
-        <p:txBody>
-          <a:bodyPr>
-            <a:normAutofit/>
-          </a:bodyPr>
-          <a:lstStyle/>
-          <a:p>
-            <a:r>
-              <a:rPr lang="en-US" sz="2400" dirty="0"/>
-              <a:t>Each project will be rated primarily on Objectives, Growth, </a:t>
-            </a:r>
-            <a:r>
-              <a:rPr lang="en-US" sz="2400"/>
-              <a:t>and Impact</a:t>
-            </a:r>
-            <a:endParaRPr lang="en-US" sz="2400" dirty="0"/>
-          </a:p>
-          <a:p>
-            <a:r>
-              <a:rPr lang="en-US" sz="2400" b="1" dirty="0"/>
-              <a:t>Objectives: </a:t>
-            </a:r>
-            <a:r>
-              <a:rPr lang="en-US" sz="2400" dirty="0"/>
-              <a:t>Project had clear objectives; the student made progress towards them and/or adapted well to changes </a:t>
-            </a:r>
-          </a:p>
-          <a:p>
-            <a:r>
-              <a:rPr lang="en-US" sz="2400" b="1" dirty="0"/>
-              <a:t>Growth: </a:t>
-            </a:r>
-            <a:r>
-              <a:rPr lang="en-US" sz="2400" dirty="0"/>
-              <a:t>Project led to the student learning new skills and developing existing ones. </a:t>
-            </a:r>
-          </a:p>
-          <a:p>
-            <a:r>
-              <a:rPr lang="en-US" sz="2400" b="1" dirty="0"/>
-              <a:t>Impact: </a:t>
-            </a:r>
-            <a:r>
-              <a:rPr lang="en-US" sz="2400" dirty="0"/>
-              <a:t>Project shows positive impact to the industry, society, or the environment. </a:t>
-            </a:r>
-          </a:p>
-          <a:p>
-            <a:endParaRPr lang="en-US" sz="2400" dirty="0"/>
-          </a:p>
-        </p:txBody>
-      </p:sp>
-    </p:spTree>
-    <p:extLst>
-      <p:ext uri="{BB962C8B-B14F-4D97-AF65-F5344CB8AC3E}">
-        <p14:creationId xmlns:p14="http://schemas.microsoft.com/office/powerpoint/2010/main" val="1683483863"/>
-      </p:ext>
-    </p:extLst>
-  </p:cSld>
-  <p:clrMapOvr>
-    <a:masterClrMapping/>
-  </p:clrMapOvr>
-</p:sld>
-</file>
-
-<file path=ppt/slides/slide3.xml><?xml version="1.0" encoding="utf-8"?>
-<p:sld xmlns:a="http://schemas.openxmlformats.org/drawingml/2006/main" xmlns:r="http://schemas.openxmlformats.org/officeDocument/2006/relationships" xmlns:p="http://schemas.openxmlformats.org/presentationml/2006/main">
-  <p:cSld>
-    <p:spTree>
-      <p:nvGrpSpPr>
-        <p:cNvPr id="1" name=""/>
-        <p:cNvGrpSpPr/>
-        <p:nvPr/>
-      </p:nvGrpSpPr>
-      <p:grpSpPr>
-        <a:xfrm>
-          <a:off x="0" y="0"/>
-          <a:ext cx="0" cy="0"/>
-          <a:chOff x="0" y="0"/>
-          <a:chExt cx="0" cy="0"/>
-        </a:xfrm>
-      </p:grpSpPr>
-      <p:sp>
-        <p:nvSpPr>
-          <p:cNvPr id="2" name="Title 1"/>
-          <p:cNvSpPr>
-            <a:spLocks noGrp="1"/>
-          </p:cNvSpPr>
-          <p:nvPr>
-            <p:ph type="title"/>
-          </p:nvPr>
-        </p:nvSpPr>
-        <p:spPr>
-          <a:xfrm>
-            <a:off x="0" y="1"/>
-            <a:ext cx="11353800" cy="939799"/>
-          </a:xfrm>
-        </p:spPr>
-        <p:txBody>
-          <a:bodyPr/>
-          <a:lstStyle/>
-          <a:p>
-            <a:r>
-              <a:rPr lang="en-US" b="1" dirty="0">
-                <a:solidFill>
-                  <a:schemeClr val="tx1"/>
-                </a:solidFill>
-                <a:latin typeface="+mn-lt"/>
-              </a:rPr>
-              <a:t>Project Objectives continued …</a:t>
-            </a:r>
-          </a:p>
-        </p:txBody>
-      </p:sp>
-      <p:sp>
-        <p:nvSpPr>
-          <p:cNvPr id="3" name="Content Placeholder 2"/>
-          <p:cNvSpPr>
-            <a:spLocks noGrp="1"/>
-          </p:cNvSpPr>
-          <p:nvPr>
-            <p:ph idx="1"/>
-          </p:nvPr>
-        </p:nvSpPr>
-        <p:spPr>
-          <a:xfrm>
-            <a:off x="0" y="939800"/>
-            <a:ext cx="11912600" cy="5461000"/>
-          </a:xfrm>
-        </p:spPr>
-        <p:txBody>
-          <a:bodyPr vert="horz" lIns="45720" tIns="45720" rIns="45720" bIns="45720" rtlCol="0" anchor="t">
-            <a:noAutofit/>
-          </a:bodyPr>
-          <a:lstStyle/>
-          <a:p>
-            <a:pPr marL="81915" lvl="1" indent="0">
-              <a:buNone/>
-            </a:pPr>
-            <a:r>
-              <a:rPr lang="en-US" sz="1800" dirty="0">
-                <a:solidFill>
-                  <a:srgbClr val="1F2328"/>
-                </a:solidFill>
-                <a:latin typeface="-apple-system"/>
-              </a:rPr>
-              <a:t>Next Steps</a:t>
-            </a:r>
-          </a:p>
-          <a:p>
-            <a:pPr marL="264795" lvl="1" indent="-182880">
-              <a:buFont typeface="Arial" charset="0"/>
-              <a:buChar char="•"/>
-            </a:pPr>
-            <a:r>
-              <a:rPr lang="en-US" sz="1800" b="0" i="0" dirty="0">
-                <a:solidFill>
-                  <a:srgbClr val="1F2328"/>
-                </a:solidFill>
-                <a:effectLst/>
-                <a:latin typeface="-apple-system"/>
-              </a:rPr>
-              <a:t>A voice prompt will prompt the user to select an image for the ANS character displayed to help the user understand what is being requested of them, in case they can’t easily read the visual prompts.</a:t>
-            </a:r>
-          </a:p>
-          <a:p>
-            <a:pPr marL="264795" lvl="1" indent="-182880">
-              <a:buFont typeface="Arial" charset="0"/>
-              <a:buChar char="•"/>
-            </a:pPr>
-            <a:r>
-              <a:rPr lang="en-US" sz="1800" b="0" i="0" dirty="0">
-                <a:solidFill>
-                  <a:srgbClr val="1F2328"/>
-                </a:solidFill>
-                <a:effectLst/>
-                <a:latin typeface="-apple-system"/>
-              </a:rPr>
-              <a:t>Once a user font set is created, </a:t>
-            </a:r>
-            <a:r>
-              <a:rPr lang="en-US" sz="1800" dirty="0">
-                <a:solidFill>
-                  <a:srgbClr val="1F2328"/>
-                </a:solidFill>
-                <a:latin typeface="-apple-system"/>
-              </a:rPr>
-              <a:t>it can be set as the default </a:t>
-            </a:r>
-            <a:r>
-              <a:rPr lang="en-US" sz="1800" b="0" i="0" dirty="0">
-                <a:solidFill>
-                  <a:srgbClr val="1F2328"/>
-                </a:solidFill>
-                <a:effectLst/>
-                <a:latin typeface="-apple-system"/>
-              </a:rPr>
-              <a:t>font set to be used when reading and writing . </a:t>
-            </a:r>
-          </a:p>
-          <a:p>
-            <a:pPr marL="81915" lvl="1" indent="0">
-              <a:buNone/>
-            </a:pPr>
-            <a:endParaRPr lang="en-US" sz="1800" b="0" i="0" dirty="0">
-              <a:solidFill>
-                <a:srgbClr val="1F2328"/>
-              </a:solidFill>
-              <a:effectLst/>
-              <a:latin typeface="-apple-system"/>
-            </a:endParaRPr>
-          </a:p>
-          <a:p>
-            <a:pPr marL="81915" lvl="1" indent="0">
-              <a:buNone/>
-            </a:pPr>
-            <a:r>
-              <a:rPr lang="en-US" sz="1800" b="0" i="0" dirty="0">
-                <a:solidFill>
-                  <a:srgbClr val="1F2328"/>
-                </a:solidFill>
-                <a:effectLst/>
-                <a:latin typeface="-apple-system"/>
-              </a:rPr>
-              <a:t>Stretch Goals:</a:t>
-            </a:r>
-          </a:p>
-          <a:p>
-            <a:pPr marL="264795" lvl="1" indent="-182880">
-              <a:buFont typeface="Arial" charset="0"/>
-              <a:buChar char="•"/>
-            </a:pPr>
-            <a:r>
-              <a:rPr lang="en-US" sz="1800" b="0" i="0" dirty="0">
-                <a:solidFill>
-                  <a:srgbClr val="1F2328"/>
-                </a:solidFill>
-                <a:effectLst/>
-                <a:latin typeface="-apple-system"/>
-              </a:rPr>
-              <a:t>The user will be able to turn on/off an option to view the generally accepted view of an English ANS set under their font set so they can see the differences or similarities.</a:t>
-            </a:r>
-          </a:p>
-          <a:p>
-            <a:pPr marL="264795" lvl="1" indent="-182880">
-              <a:buFont typeface="Arial" charset="0"/>
-              <a:buChar char="•"/>
-            </a:pPr>
-            <a:r>
-              <a:rPr lang="en-US" sz="1800" dirty="0">
-                <a:solidFill>
-                  <a:srgbClr val="1F2328"/>
-                </a:solidFill>
-                <a:latin typeface="-apple-system"/>
-              </a:rPr>
-              <a:t>Add, modify, delete, read files in the user’s default font set</a:t>
-            </a:r>
-            <a:endParaRPr lang="en-US" sz="1800" b="0" i="0" dirty="0">
-              <a:solidFill>
-                <a:srgbClr val="1F2328"/>
-              </a:solidFill>
-              <a:effectLst/>
-              <a:latin typeface="-apple-system"/>
-            </a:endParaRPr>
-          </a:p>
-          <a:p>
-            <a:pPr marL="264795" lvl="1" indent="-182880">
-              <a:buFont typeface="Arial" charset="0"/>
-              <a:buChar char="•"/>
-            </a:pPr>
-            <a:r>
-              <a:rPr lang="en-US" sz="1800" b="0" i="0" dirty="0">
-                <a:solidFill>
-                  <a:srgbClr val="1F2328"/>
-                </a:solidFill>
-                <a:effectLst/>
-                <a:latin typeface="-apple-system"/>
-              </a:rPr>
-              <a:t>The user will be able to create a dictionary/encyclopedia of words in their unique font set, with a definition</a:t>
-            </a:r>
-            <a:r>
-              <a:rPr lang="en-US" sz="1800" dirty="0">
-                <a:solidFill>
-                  <a:srgbClr val="1F2328"/>
-                </a:solidFill>
-                <a:latin typeface="-apple-system"/>
-              </a:rPr>
-              <a:t> and </a:t>
-            </a:r>
-            <a:r>
-              <a:rPr lang="en-US" sz="1800" b="0" i="0" dirty="0">
-                <a:solidFill>
-                  <a:srgbClr val="1F2328"/>
-                </a:solidFill>
-                <a:effectLst/>
-                <a:latin typeface="-apple-system"/>
-              </a:rPr>
-              <a:t>image.</a:t>
-            </a:r>
-          </a:p>
-          <a:p>
-            <a:pPr marL="264795" lvl="1" indent="-182880">
-              <a:buFont typeface="Arial" charset="0"/>
-              <a:buChar char="•"/>
-            </a:pPr>
-            <a:r>
-              <a:rPr lang="en-US" sz="1800" b="0" i="0" dirty="0">
-                <a:solidFill>
-                  <a:srgbClr val="1F2328"/>
-                </a:solidFill>
-                <a:effectLst/>
-                <a:latin typeface="-apple-system"/>
-              </a:rPr>
-              <a:t>Add, update and delete options will be provided for the font set and the dictionary database tables.</a:t>
-            </a:r>
-          </a:p>
-          <a:p>
-            <a:pPr marL="264795" lvl="1" indent="-182880">
-              <a:buFont typeface="Arial" charset="0"/>
-              <a:buChar char="•"/>
-            </a:pPr>
-            <a:r>
-              <a:rPr lang="en-US" sz="1800" dirty="0">
-                <a:solidFill>
-                  <a:srgbClr val="1F2328"/>
-                </a:solidFill>
-                <a:latin typeface="-apple-system"/>
-              </a:rPr>
-              <a:t>Display a user keyboard on a touch screen device</a:t>
-            </a:r>
-          </a:p>
-          <a:p>
-            <a:pPr marL="264795" lvl="1" indent="-182880">
-              <a:buFont typeface="Arial" charset="0"/>
-              <a:buChar char="•"/>
-            </a:pPr>
-            <a:r>
-              <a:rPr lang="en-US" sz="1800" dirty="0">
-                <a:solidFill>
-                  <a:srgbClr val="1F2328"/>
-                </a:solidFill>
-                <a:latin typeface="-apple-system"/>
-              </a:rPr>
-              <a:t>Dyslexic related educational links</a:t>
-            </a:r>
-          </a:p>
-          <a:p>
-            <a:pPr marL="264795" lvl="1" indent="-182880">
-              <a:buFont typeface="Arial" charset="0"/>
-              <a:buChar char="•"/>
-            </a:pPr>
-            <a:r>
-              <a:rPr lang="en-US" sz="1800" dirty="0">
-                <a:solidFill>
-                  <a:srgbClr val="1F2328"/>
-                </a:solidFill>
-                <a:latin typeface="-apple-system"/>
-              </a:rPr>
-              <a:t>Statistics on web site usage</a:t>
-            </a:r>
-          </a:p>
-          <a:p>
-            <a:pPr marL="264795" lvl="1" indent="-182880">
-              <a:buFont typeface="Arial" charset="0"/>
-              <a:buChar char="•"/>
-            </a:pPr>
-            <a:r>
-              <a:rPr lang="en-US" sz="1800" dirty="0">
-                <a:solidFill>
-                  <a:srgbClr val="1F2328"/>
-                </a:solidFill>
-                <a:latin typeface="-apple-system"/>
-              </a:rPr>
-              <a:t>User Blog</a:t>
-            </a:r>
-          </a:p>
-          <a:p>
-            <a:pPr marL="264795" lvl="1" indent="-182880">
-              <a:buFont typeface="Arial" charset="0"/>
-              <a:buChar char="•"/>
-            </a:pPr>
-            <a:r>
-              <a:rPr lang="en-US" sz="1800" dirty="0">
-                <a:solidFill>
-                  <a:srgbClr val="1F2328"/>
-                </a:solidFill>
-                <a:latin typeface="-apple-system"/>
-              </a:rPr>
-              <a:t>Allow the user to create their own font set by creating their own characters (versus using the options provided)</a:t>
-            </a:r>
-          </a:p>
-          <a:p>
-            <a:pPr marL="81915" lvl="1" indent="0">
-              <a:buNone/>
-            </a:pPr>
-            <a:endParaRPr lang="en-US" sz="1800" dirty="0">
-              <a:solidFill>
-                <a:srgbClr val="1F2328"/>
-              </a:solidFill>
-              <a:latin typeface="-apple-system"/>
-            </a:endParaRPr>
-          </a:p>
-          <a:p>
-            <a:pPr marL="264795" lvl="1" indent="-182880">
-              <a:buFont typeface="Arial" charset="0"/>
-              <a:buChar char="•"/>
-            </a:pPr>
-            <a:r>
-              <a:rPr lang="en-US" sz="1800" b="1" i="0" dirty="0">
-                <a:solidFill>
-                  <a:srgbClr val="1F2328"/>
-                </a:solidFill>
-                <a:effectLst/>
-                <a:latin typeface="-apple-system"/>
-              </a:rPr>
-              <a:t>Note: ANS = Alpha-Numeric/Special character set</a:t>
-            </a:r>
-          </a:p>
-          <a:p>
-            <a:pPr marL="264795" lvl="1" indent="-182880">
-              <a:buFont typeface="Arial" charset="0"/>
-              <a:buChar char="•"/>
-            </a:pPr>
-            <a:endParaRPr lang="en-US" sz="1800" dirty="0"/>
-          </a:p>
-          <a:p>
-            <a:pPr marL="81915" lvl="1" indent="0">
-              <a:buNone/>
-            </a:pPr>
-            <a:br>
-              <a:rPr lang="en-US" sz="1800" dirty="0"/>
-            </a:br>
-            <a:endParaRPr lang="en-US" sz="1800" dirty="0"/>
-          </a:p>
-          <a:p>
-            <a:pPr marL="81915" lvl="1" indent="0">
-              <a:buNone/>
-            </a:pPr>
-            <a:endParaRPr lang="en-US" sz="1800" dirty="0"/>
-          </a:p>
-          <a:p>
-            <a:pPr marL="264795" lvl="1" indent="-182880">
-              <a:buFont typeface="Arial" charset="0"/>
-              <a:buChar char="•"/>
-            </a:pPr>
-            <a:endParaRPr lang="en-US" sz="1800" dirty="0"/>
-          </a:p>
-        </p:txBody>
-      </p:sp>
-    </p:spTree>
-    <p:extLst>
-      <p:ext uri="{BB962C8B-B14F-4D97-AF65-F5344CB8AC3E}">
-        <p14:creationId xmlns:p14="http://schemas.microsoft.com/office/powerpoint/2010/main" val="4038117413"/>
-      </p:ext>
-    </p:extLst>
-  </p:cSld>
-  <p:clrMapOvr>
-    <a:masterClrMapping/>
-  </p:clrMapOvr>
-</p:sld>
-</file>
-
 <file path=ppt/slides/slide4.xml><?xml version="1.0" encoding="utf-8"?>
 <p:sld xmlns:a="http://schemas.openxmlformats.org/drawingml/2006/main" xmlns:r="http://schemas.openxmlformats.org/officeDocument/2006/relationships" xmlns:p="http://schemas.openxmlformats.org/presentationml/2006/main">
   <p:cSld>
@@ -10990,7 +12007,7 @@
         <p:spPr>
           <a:xfrm>
             <a:off x="0" y="939800"/>
-            <a:ext cx="11912600" cy="4343400"/>
+            <a:ext cx="11912600" cy="5918200"/>
           </a:xfrm>
         </p:spPr>
         <p:txBody>
@@ -11004,12 +12021,58 @@
               <a:buChar char="•"/>
             </a:pPr>
             <a:r>
-              <a:rPr lang="en-US" sz="2000" dirty="0"/>
+              <a:rPr lang="en-US" sz="2000" b="1" dirty="0"/>
               <a:t>Annelise</a:t>
             </a:r>
           </a:p>
           <a:p>
-            <a:pPr marL="721995" lvl="2" indent="-182880">
+            <a:pPr algn="l">
+              <a:buFont typeface="Arial" panose="020B0604020202020204" pitchFamily="34" charset="0"/>
+              <a:buChar char="•"/>
+            </a:pPr>
+            <a:r>
+              <a:rPr lang="en-US" sz="1600" b="0" i="0" dirty="0">
+                <a:solidFill>
+                  <a:srgbClr val="1D1C1D"/>
+                </a:solidFill>
+                <a:effectLst/>
+              </a:rPr>
+              <a:t>Gain a more in depth knowledge of specifically Node.js, React, and the overall language of JavaScript.</a:t>
+            </a:r>
+          </a:p>
+          <a:p>
+            <a:pPr algn="l">
+              <a:buFont typeface="Arial" panose="020B0604020202020204" pitchFamily="34" charset="0"/>
+              <a:buChar char="•"/>
+            </a:pPr>
+            <a:r>
+              <a:rPr lang="en-US" sz="1600" b="0" i="0" dirty="0">
+                <a:solidFill>
+                  <a:srgbClr val="1D1C1D"/>
+                </a:solidFill>
+                <a:effectLst/>
+              </a:rPr>
+              <a:t>Become more comfortable with the process of producing a single project with contributions from a team of multiple people.</a:t>
+            </a:r>
+          </a:p>
+          <a:p>
+            <a:pPr algn="l">
+              <a:buFont typeface="Arial" panose="020B0604020202020204" pitchFamily="34" charset="0"/>
+              <a:buChar char="•"/>
+            </a:pPr>
+            <a:r>
+              <a:rPr lang="en-US" sz="1600" b="0" i="0" dirty="0">
+                <a:solidFill>
+                  <a:srgbClr val="1D1C1D"/>
+                </a:solidFill>
+                <a:effectLst/>
+              </a:rPr>
+              <a:t>Produce a full website with functionality in the front and back end.</a:t>
+            </a:r>
+            <a:endParaRPr lang="en-US" sz="1600" dirty="0"/>
+          </a:p>
+          <a:p>
+            <a:pPr marL="264795" lvl="1" indent="-182880">
               <a:buFont typeface="Arial" charset="0"/>
               <a:buChar char="•"/>
             </a:pPr>
@@ -11020,7 +12083,121 @@
               <a:buFont typeface="Arial" charset="0"/>
               <a:buChar char="•"/>
             </a:pPr>
-            <a:endParaRPr lang="en-US" sz="2000" dirty="0"/>
+            <a:r>
+              <a:rPr lang="en-US" sz="2000" b="1" dirty="0"/>
+              <a:t>Donald</a:t>
+            </a:r>
+          </a:p>
+          <a:p>
+            <a:pPr marL="81915" lvl="1" indent="0">
+              <a:buNone/>
+            </a:pPr>
+            <a:r>
+              <a:rPr lang="en-US" sz="1600" b="0" i="0" dirty="0">
+                <a:solidFill>
+                  <a:srgbClr val="1D1C1D"/>
+                </a:solidFill>
+                <a:effectLst/>
+              </a:rPr>
+              <a:t>·        Gain a more in-depth knowledge of Node.js, React, JavaScript including </a:t>
+            </a:r>
+            <a:r>
+              <a:rPr lang="en-US" sz="1600" b="0" i="0" dirty="0" err="1">
+                <a:solidFill>
+                  <a:srgbClr val="1D1C1D"/>
+                </a:solidFill>
+                <a:effectLst/>
+              </a:rPr>
+              <a:t>asynch</a:t>
+            </a:r>
+            <a:r>
+              <a:rPr lang="en-US" sz="1600" b="0" i="0" dirty="0">
+                <a:solidFill>
+                  <a:srgbClr val="1D1C1D"/>
+                </a:solidFill>
+                <a:effectLst/>
+              </a:rPr>
+              <a:t> functions, router paths and </a:t>
+            </a:r>
+            <a:r>
+              <a:rPr lang="en-US" sz="1600" b="0" i="0" dirty="0" err="1">
+                <a:solidFill>
+                  <a:srgbClr val="1D1C1D"/>
+                </a:solidFill>
+                <a:effectLst/>
+              </a:rPr>
+              <a:t>VSCode</a:t>
+            </a:r>
+            <a:r>
+              <a:rPr lang="en-US" sz="1600" b="0" i="0" dirty="0">
+                <a:solidFill>
+                  <a:srgbClr val="1D1C1D"/>
+                </a:solidFill>
+                <a:effectLst/>
+              </a:rPr>
+              <a:t> extensions</a:t>
+            </a:r>
+            <a:br>
+              <a:rPr lang="en-US" sz="1600" dirty="0"/>
+            </a:br>
+            <a:r>
+              <a:rPr lang="en-US" sz="1600" b="0" i="0" dirty="0">
+                <a:solidFill>
+                  <a:srgbClr val="1D1C1D"/>
+                </a:solidFill>
+                <a:effectLst/>
+              </a:rPr>
+              <a:t>·        Integrating AWS services into a project with RDS and Amplify</a:t>
+            </a:r>
+            <a:br>
+              <a:rPr lang="en-US" sz="1600" dirty="0"/>
+            </a:br>
+            <a:r>
+              <a:rPr lang="en-US" sz="1600" b="0" i="0" dirty="0">
+                <a:solidFill>
+                  <a:srgbClr val="1D1C1D"/>
+                </a:solidFill>
+                <a:effectLst/>
+              </a:rPr>
+              <a:t>·        Increased fluency with </a:t>
+            </a:r>
+            <a:r>
+              <a:rPr lang="en-US" sz="1600" b="0" i="0" dirty="0" err="1">
+                <a:solidFill>
+                  <a:srgbClr val="1D1C1D"/>
+                </a:solidFill>
+                <a:effectLst/>
+              </a:rPr>
+              <a:t>Github</a:t>
+            </a:r>
+            <a:r>
+              <a:rPr lang="en-US" sz="1600" b="0" i="0" dirty="0">
+                <a:solidFill>
+                  <a:srgbClr val="1D1C1D"/>
+                </a:solidFill>
+                <a:effectLst/>
+              </a:rPr>
+              <a:t> as a project management tool and means of sharing code among multiple team members</a:t>
+            </a:r>
+            <a:br>
+              <a:rPr lang="en-US" sz="1600" dirty="0"/>
+            </a:br>
+            <a:r>
+              <a:rPr lang="en-US" sz="1600" b="0" i="0" dirty="0">
+                <a:solidFill>
+                  <a:srgbClr val="1D1C1D"/>
+                </a:solidFill>
+                <a:effectLst/>
+              </a:rPr>
+              <a:t>·        Produce a full website with functionality in the front and back end.</a:t>
+            </a:r>
+            <a:endParaRPr lang="en-US" sz="1600" dirty="0"/>
+          </a:p>
+          <a:p>
+            <a:pPr marL="81915" lvl="1" indent="0">
+              <a:buNone/>
+            </a:pPr>
+            <a:endParaRPr lang="en-US" sz="1600" dirty="0"/>
           </a:p>
           <a:p>
             <a:pPr marL="264795" lvl="1" indent="-182880">
@@ -11028,21 +12205,9 @@
               <a:buChar char="•"/>
             </a:pPr>
             <a:r>
-              <a:rPr lang="en-US" sz="2000" dirty="0"/>
-              <a:t>Donald</a:t>
-            </a:r>
-          </a:p>
-          <a:p>
-            <a:pPr marL="81915" lvl="1" indent="0">
-              <a:buNone/>
-            </a:pPr>
-            <a:endParaRPr lang="en-US" sz="2000" dirty="0"/>
-          </a:p>
-          <a:p>
-            <a:pPr marL="81915" lvl="1" indent="0">
-              <a:buNone/>
-            </a:pPr>
-            <a:endParaRPr lang="en-US" sz="2000" dirty="0"/>
+              <a:rPr lang="en-US" sz="2000" b="1" dirty="0"/>
+              <a:t>Karen</a:t>
+            </a:r>
           </a:p>
           <a:p>
             <a:pPr marL="264795" lvl="1" indent="-182880">
@@ -11050,8 +12215,8 @@
               <a:buChar char="•"/>
             </a:pPr>
             <a:r>
-              <a:rPr lang="en-US" sz="2000" dirty="0"/>
-              <a:t>Karen</a:t>
+              <a:rPr lang="en-US" sz="1600" dirty="0"/>
+              <a:t>Create technological functionality that may provide a positive impact and provide a method of inclusiveness/adaptation/acceptance as they are, to a group of people where there is none today.</a:t>
             </a:r>
           </a:p>
           <a:p>
@@ -11061,7 +12226,7 @@
             </a:pPr>
             <a:r>
               <a:rPr lang="en-US" sz="1600" dirty="0"/>
-              <a:t>Create technological functionality that may provide a positive impact and provide a method of inclusiveness/adaptation/acceptance as they are, to a group of people where there is none today.</a:t>
+              <a:t>Learn more about how hardware, operating system, and applications work together/correlate with each other by understanding how what is typed into a keyboard key ends up on a screen or in a file, and how it is used by the operating system and an application.</a:t>
             </a:r>
           </a:p>
           <a:p>
@@ -11071,7 +12236,7 @@
             </a:pPr>
             <a:r>
               <a:rPr lang="en-US" sz="1600" dirty="0"/>
-              <a:t>Learn more about how hardware, operating system, and applications work together/correlate with each other by understanding how what is typed into a keyboard key ends up on a screen or in a file, and how it is used by the operating system and an application.</a:t>
+              <a:t>Improve my software development skills by effectively utilizing current software development tools.</a:t>
             </a:r>
           </a:p>
           <a:p>
@@ -11081,9 +12246,8 @@
             </a:pPr>
             <a:r>
               <a:rPr lang="en-US" sz="1600" dirty="0"/>
-              <a:t>Improve my software development skills by effectively utilizing current software development tools.</a:t>
-            </a:r>
-            <a:endParaRPr lang="en-US" sz="2000" dirty="0"/>
+              <a:t>Improve team building skills </a:t>
+            </a:r>
           </a:p>
         </p:txBody>
       </p:sp>
@@ -11232,13 +12396,12 @@
             </a:pPr>
             <a:r>
               <a:rPr lang="en-US" sz="3000" dirty="0"/>
-              <a:t> Number of Team Members reduced</a:t>
-            </a:r>
-          </a:p>
-          <a:p>
-            <a:pPr marL="264795" lvl="1" indent="-182880">
-              <a:buFont typeface="Arial" charset="0"/>
-              <a:buChar char="•"/>
+              <a:t> Number of Team Members</a:t>
+            </a:r>
+          </a:p>
+          <a:p>
+            <a:pPr marL="81915" lvl="1" indent="0">
+              <a:buNone/>
             </a:pPr>
             <a:endParaRPr lang="en-US" sz="3000" dirty="0"/>
           </a:p>
@@ -11476,7 +12639,7 @@
             </a:pPr>
             <a:r>
               <a:rPr lang="en-US" sz="2800" dirty="0"/>
-              <a:t>	Team Stand Ups</a:t>
+              <a:t>	Team Stand Ups / Working as a team</a:t>
             </a:r>
           </a:p>
           <a:p>
@@ -11578,8 +12741,8 @@
         </p:nvSpPr>
         <p:spPr>
           <a:xfrm>
-            <a:off x="850900" y="1325563"/>
-            <a:ext cx="10960100" cy="5532437"/>
+            <a:off x="850900" y="1028701"/>
+            <a:ext cx="10960100" cy="5829300"/>
           </a:xfrm>
         </p:spPr>
         <p:txBody>
@@ -11603,7 +12766,7 @@
             </a:pPr>
             <a:r>
               <a:rPr lang="en-US" sz="2800" dirty="0"/>
-              <a:t>	Website in progress.  </a:t>
+              <a:t>	Website in progress  </a:t>
             </a:r>
           </a:p>
           <a:p>
@@ -11867,7 +13030,7 @@
           <p:cNvPr id="2" name="Title 1">
             <a:extLst>
               <a:ext uri="{FF2B5EF4-FFF2-40B4-BE49-F238E27FC236}">
-                <a16:creationId xmlns:a16="http://schemas.microsoft.com/office/drawing/2014/main" id="{656492BF-8348-C078-9907-B7B62BF28A02}"/>
+                <a16:creationId xmlns:a16="http://schemas.microsoft.com/office/drawing/2014/main" id="{7CDD21BE-DB11-3EE7-1D9A-0A42ACCBE327}"/>
               </a:ext>
             </a:extLst>
           </p:cNvPr>
@@ -11878,66 +13041,47 @@
             <p:ph type="title"/>
           </p:nvPr>
         </p:nvSpPr>
-        <p:spPr>
-          <a:xfrm>
-            <a:off x="0" y="-17754"/>
-            <a:ext cx="3497802" cy="1216240"/>
-          </a:xfrm>
-        </p:spPr>
-        <p:txBody>
-          <a:bodyPr>
-            <a:normAutofit fontScale="90000"/>
-          </a:bodyPr>
+        <p:spPr/>
+        <p:txBody>
+          <a:bodyPr/>
           <a:lstStyle/>
           <a:p>
             <a:r>
               <a:rPr lang="en-US" dirty="0"/>
-              <a:t>Login or </a:t>
-            </a:r>
-            <a:br>
-              <a:rPr lang="en-US" dirty="0"/>
-            </a:br>
-            <a:r>
-              <a:rPr lang="en-US" dirty="0"/>
-              <a:t>Create Account</a:t>
-            </a:r>
-          </a:p>
-        </p:txBody>
-      </p:sp>
-      <p:pic>
-        <p:nvPicPr>
-          <p:cNvPr id="13" name="Picture 12">
-            <a:extLst>
-              <a:ext uri="{FF2B5EF4-FFF2-40B4-BE49-F238E27FC236}">
-                <a16:creationId xmlns:a16="http://schemas.microsoft.com/office/drawing/2014/main" id="{5AF10B24-FF23-FC84-B401-529729E66564}"/>
-              </a:ext>
-            </a:extLst>
-          </p:cNvPr>
-          <p:cNvPicPr>
-            <a:picLocks noChangeAspect="1"/>
-          </p:cNvPicPr>
-          <p:nvPr/>
-        </p:nvPicPr>
-        <p:blipFill>
-          <a:blip r:embed="rId2"/>
-          <a:stretch>
-            <a:fillRect/>
-          </a:stretch>
-        </p:blipFill>
-        <p:spPr>
-          <a:xfrm>
-            <a:off x="4332303" y="0"/>
-            <a:ext cx="7859697" cy="6858000"/>
-          </a:xfrm>
-          <a:prstGeom prst="rect">
-            <a:avLst/>
-          </a:prstGeom>
-        </p:spPr>
-      </p:pic>
+              <a:t>Most Currently developed UI …</a:t>
+            </a:r>
+          </a:p>
+        </p:txBody>
+      </p:sp>
+      <p:sp>
+        <p:nvSpPr>
+          <p:cNvPr id="3" name="Content Placeholder 2">
+            <a:extLst>
+              <a:ext uri="{FF2B5EF4-FFF2-40B4-BE49-F238E27FC236}">
+                <a16:creationId xmlns:a16="http://schemas.microsoft.com/office/drawing/2014/main" id="{52117E06-F9BD-4B7F-3489-EDBA64328BEC}"/>
+              </a:ext>
+            </a:extLst>
+          </p:cNvPr>
+          <p:cNvSpPr>
+            <a:spLocks noGrp="1"/>
+          </p:cNvSpPr>
+          <p:nvPr>
+            <p:ph idx="1"/>
+          </p:nvPr>
+        </p:nvSpPr>
+        <p:spPr/>
+        <p:txBody>
+          <a:bodyPr/>
+          <a:lstStyle/>
+          <a:p>
+            <a:endParaRPr lang="en-US"/>
+          </a:p>
+        </p:txBody>
+      </p:sp>
     </p:spTree>
     <p:extLst>
       <p:ext uri="{BB962C8B-B14F-4D97-AF65-F5344CB8AC3E}">
-        <p14:creationId xmlns:p14="http://schemas.microsoft.com/office/powerpoint/2010/main" val="2649755325"/>
+        <p14:creationId xmlns:p14="http://schemas.microsoft.com/office/powerpoint/2010/main" val="2260377137"/>
       </p:ext>
     </p:extLst>
   </p:cSld>
